--- a/Golang_学习笔记/Golang_Web_学习笔记/ETCD_学习笔记/ETCD-调研.pptx
+++ b/Golang_学习笔记/Golang_Web_学习笔记/ETCD_学习笔记/ETCD-调研.pptx
@@ -17,6 +17,9 @@
     <p:sldId id="263" r:id="rId10"/>
     <p:sldId id="264" r:id="rId11"/>
     <p:sldId id="265" r:id="rId12"/>
+    <p:sldId id="267" r:id="rId13"/>
+    <p:sldId id="266" r:id="rId14"/>
+    <p:sldId id="268" r:id="rId15"/>
   </p:sldIdLst>
   <p:sldSz cx="12192000" cy="6858000"/>
   <p:notesSz cx="6858000" cy="9144000"/>
@@ -4018,6 +4021,1784 @@
 </p:sld>
 </file>
 
+<file path=ppt/slides/slide10.xml><?xml version="1.0" encoding="utf-8"?>
+<p:sld xmlns:a="http://schemas.openxmlformats.org/drawingml/2006/main" xmlns:r="http://schemas.openxmlformats.org/officeDocument/2006/relationships" xmlns:p="http://schemas.openxmlformats.org/presentationml/2006/main">
+  <p:cSld>
+    <p:spTree>
+      <p:nvGrpSpPr>
+        <p:cNvPr id="1" name=""/>
+        <p:cNvGrpSpPr/>
+        <p:nvPr/>
+      </p:nvGrpSpPr>
+      <p:grpSpPr>
+        <a:xfrm>
+          <a:off x="0" y="0"/>
+          <a:ext cx="0" cy="0"/>
+          <a:chOff x="0" y="0"/>
+          <a:chExt cx="0" cy="0"/>
+        </a:xfrm>
+      </p:grpSpPr>
+      <p:sp>
+        <p:nvSpPr>
+          <p:cNvPr id="9" name="圆角矩形 8"/>
+          <p:cNvSpPr/>
+          <p:nvPr/>
+        </p:nvSpPr>
+        <p:spPr>
+          <a:xfrm rot="10800000" flipV="1">
+            <a:off x="784903" y="1346208"/>
+            <a:ext cx="272237" cy="276076"/>
+          </a:xfrm>
+          <a:prstGeom prst="roundRect">
+            <a:avLst>
+              <a:gd name="adj" fmla="val 5039"/>
+            </a:avLst>
+          </a:prstGeom>
+          <a:solidFill>
+            <a:srgbClr val="005798"/>
+          </a:solidFill>
+          <a:ln>
+            <a:solidFill>
+              <a:srgbClr val="7F7F7F"/>
+            </a:solidFill>
+          </a:ln>
+          <a:effectLst>
+            <a:outerShdw blurRad="50800" dist="38100" dir="5400000" algn="t" rotWithShape="0">
+              <a:prstClr val="black">
+                <a:alpha val="40000"/>
+              </a:prstClr>
+            </a:outerShdw>
+          </a:effectLst>
+        </p:spPr>
+        <p:style>
+          <a:lnRef idx="2">
+            <a:schemeClr val="accent1">
+              <a:shade val="50000"/>
+            </a:schemeClr>
+          </a:lnRef>
+          <a:fillRef idx="1">
+            <a:schemeClr val="accent1"/>
+          </a:fillRef>
+          <a:effectRef idx="0">
+            <a:schemeClr val="accent1"/>
+          </a:effectRef>
+          <a:fontRef idx="minor">
+            <a:schemeClr val="lt1"/>
+          </a:fontRef>
+        </p:style>
+        <p:txBody>
+          <a:bodyPr lIns="91438" tIns="45719" rIns="91438" bIns="45719" rtlCol="0" anchor="ctr"/>
+          <a:lstStyle/>
+          <a:p>
+            <a:pPr algn="ctr">
+              <a:lnSpc>
+                <a:spcPct val="130000"/>
+              </a:lnSpc>
+            </a:pPr>
+            <a:endParaRPr lang="zh-CN" altLang="en-US" sz="3600" dirty="0">
+              <a:latin typeface="微软雅黑" panose="020B0503020204020204" pitchFamily="34" charset="-122"/>
+              <a:ea typeface="微软雅黑" panose="020B0503020204020204" pitchFamily="34" charset="-122"/>
+            </a:endParaRPr>
+          </a:p>
+        </p:txBody>
+      </p:sp>
+      <p:sp>
+        <p:nvSpPr>
+          <p:cNvPr id="12" name="文本框 11"/>
+          <p:cNvSpPr txBox="1"/>
+          <p:nvPr/>
+        </p:nvSpPr>
+        <p:spPr>
+          <a:xfrm>
+            <a:off x="1186801" y="1232062"/>
+            <a:ext cx="2031321" cy="525655"/>
+          </a:xfrm>
+          <a:prstGeom prst="rect">
+            <a:avLst/>
+          </a:prstGeom>
+          <a:noFill/>
+        </p:spPr>
+        <p:txBody>
+          <a:bodyPr wrap="none" lIns="91438" tIns="45719" rIns="91438" bIns="45719" rtlCol="0">
+            <a:spAutoFit/>
+          </a:bodyPr>
+          <a:lstStyle/>
+          <a:p>
+            <a:pPr>
+              <a:lnSpc>
+                <a:spcPct val="130000"/>
+              </a:lnSpc>
+            </a:pPr>
+            <a:r>
+              <a:rPr lang="zh-CN" altLang="en-US" sz="2400" smtClean="0">
+                <a:latin typeface="+mn-ea"/>
+                <a:ea typeface="+mn-ea"/>
+              </a:rPr>
+              <a:t>设计方案概述</a:t>
+            </a:r>
+            <a:endParaRPr lang="zh-CN" altLang="en-US" sz="2400" dirty="0">
+              <a:latin typeface="+mn-ea"/>
+              <a:ea typeface="+mn-ea"/>
+            </a:endParaRPr>
+          </a:p>
+        </p:txBody>
+      </p:sp>
+      <p:sp>
+        <p:nvSpPr>
+          <p:cNvPr id="19" name="文本框 1066"/>
+          <p:cNvSpPr txBox="1">
+            <a:spLocks noChangeArrowheads="1"/>
+          </p:cNvSpPr>
+          <p:nvPr/>
+        </p:nvSpPr>
+        <p:spPr bwMode="auto">
+          <a:xfrm>
+            <a:off x="62086" y="334719"/>
+            <a:ext cx="2464136" cy="584775"/>
+          </a:xfrm>
+          <a:prstGeom prst="rect">
+            <a:avLst/>
+          </a:prstGeom>
+          <a:noFill/>
+          <a:ln>
+            <a:noFill/>
+          </a:ln>
+          <a:extLst>
+            <a:ext uri="{909E8E84-426E-40DD-AFC4-6F175D3DCCD1}">
+              <a14:hiddenFill xmlns:a14="http://schemas.microsoft.com/office/drawing/2010/main">
+                <a:solidFill>
+                  <a:srgbClr val="FFFFFF"/>
+                </a:solidFill>
+              </a14:hiddenFill>
+            </a:ext>
+            <a:ext uri="{91240B29-F687-4F45-9708-019B960494DF}">
+              <a14:hiddenLine xmlns:a14="http://schemas.microsoft.com/office/drawing/2010/main" w="9525">
+                <a:solidFill>
+                  <a:srgbClr val="000000"/>
+                </a:solidFill>
+                <a:miter lim="800000"/>
+                <a:headEnd/>
+                <a:tailEnd/>
+              </a14:hiddenLine>
+            </a:ext>
+          </a:extLst>
+        </p:spPr>
+        <p:txBody>
+          <a:bodyPr wrap="none">
+            <a:spAutoFit/>
+          </a:bodyPr>
+          <a:lstStyle>
+            <a:lvl1pPr>
+              <a:lnSpc>
+                <a:spcPct val="90000"/>
+              </a:lnSpc>
+              <a:spcBef>
+                <a:spcPts val="1000"/>
+              </a:spcBef>
+              <a:buFont typeface="Arial" panose="020B0604020202020204" pitchFamily="34" charset="0"/>
+              <a:buChar char="•"/>
+              <a:defRPr sz="2800">
+                <a:solidFill>
+                  <a:schemeClr val="tx1"/>
+                </a:solidFill>
+                <a:latin typeface="Arial" panose="020B0604020202020204" pitchFamily="34" charset="0"/>
+                <a:ea typeface="微软雅黑" panose="020B0503020204020204" pitchFamily="34" charset="-122"/>
+              </a:defRPr>
+            </a:lvl1pPr>
+            <a:lvl2pPr marL="742950" indent="-285750">
+              <a:lnSpc>
+                <a:spcPct val="90000"/>
+              </a:lnSpc>
+              <a:spcBef>
+                <a:spcPts val="500"/>
+              </a:spcBef>
+              <a:buFont typeface="Arial" panose="020B0604020202020204" pitchFamily="34" charset="0"/>
+              <a:buChar char="•"/>
+              <a:defRPr sz="2400">
+                <a:solidFill>
+                  <a:schemeClr val="tx1"/>
+                </a:solidFill>
+                <a:latin typeface="Arial" panose="020B0604020202020204" pitchFamily="34" charset="0"/>
+                <a:ea typeface="微软雅黑" panose="020B0503020204020204" pitchFamily="34" charset="-122"/>
+              </a:defRPr>
+            </a:lvl2pPr>
+            <a:lvl3pPr marL="1143000" indent="-228600">
+              <a:lnSpc>
+                <a:spcPct val="90000"/>
+              </a:lnSpc>
+              <a:spcBef>
+                <a:spcPts val="500"/>
+              </a:spcBef>
+              <a:buFont typeface="Arial" panose="020B0604020202020204" pitchFamily="34" charset="0"/>
+              <a:buChar char="•"/>
+              <a:defRPr sz="2000">
+                <a:solidFill>
+                  <a:schemeClr val="tx1"/>
+                </a:solidFill>
+                <a:latin typeface="Arial" panose="020B0604020202020204" pitchFamily="34" charset="0"/>
+                <a:ea typeface="微软雅黑" panose="020B0503020204020204" pitchFamily="34" charset="-122"/>
+              </a:defRPr>
+            </a:lvl3pPr>
+            <a:lvl4pPr marL="1600200" indent="-228600">
+              <a:lnSpc>
+                <a:spcPct val="90000"/>
+              </a:lnSpc>
+              <a:spcBef>
+                <a:spcPts val="500"/>
+              </a:spcBef>
+              <a:buFont typeface="Arial" panose="020B0604020202020204" pitchFamily="34" charset="0"/>
+              <a:buChar char="•"/>
+              <a:defRPr>
+                <a:solidFill>
+                  <a:schemeClr val="tx1"/>
+                </a:solidFill>
+                <a:latin typeface="Arial" panose="020B0604020202020204" pitchFamily="34" charset="0"/>
+                <a:ea typeface="微软雅黑" panose="020B0503020204020204" pitchFamily="34" charset="-122"/>
+              </a:defRPr>
+            </a:lvl4pPr>
+            <a:lvl5pPr marL="2057400" indent="-228600">
+              <a:lnSpc>
+                <a:spcPct val="90000"/>
+              </a:lnSpc>
+              <a:spcBef>
+                <a:spcPts val="500"/>
+              </a:spcBef>
+              <a:buFont typeface="Arial" panose="020B0604020202020204" pitchFamily="34" charset="0"/>
+              <a:buChar char="•"/>
+              <a:defRPr>
+                <a:solidFill>
+                  <a:schemeClr val="tx1"/>
+                </a:solidFill>
+                <a:latin typeface="Arial" panose="020B0604020202020204" pitchFamily="34" charset="0"/>
+                <a:ea typeface="微软雅黑" panose="020B0503020204020204" pitchFamily="34" charset="-122"/>
+              </a:defRPr>
+            </a:lvl5pPr>
+            <a:lvl6pPr marL="2514600" indent="-228600" eaLnBrk="0" fontAlgn="base" hangingPunct="0">
+              <a:lnSpc>
+                <a:spcPct val="90000"/>
+              </a:lnSpc>
+              <a:spcBef>
+                <a:spcPts val="500"/>
+              </a:spcBef>
+              <a:spcAft>
+                <a:spcPct val="0"/>
+              </a:spcAft>
+              <a:buFont typeface="Arial" panose="020B0604020202020204" pitchFamily="34" charset="0"/>
+              <a:buChar char="•"/>
+              <a:defRPr>
+                <a:solidFill>
+                  <a:schemeClr val="tx1"/>
+                </a:solidFill>
+                <a:latin typeface="Arial" panose="020B0604020202020204" pitchFamily="34" charset="0"/>
+                <a:ea typeface="微软雅黑" panose="020B0503020204020204" pitchFamily="34" charset="-122"/>
+              </a:defRPr>
+            </a:lvl6pPr>
+            <a:lvl7pPr marL="2971800" indent="-228600" eaLnBrk="0" fontAlgn="base" hangingPunct="0">
+              <a:lnSpc>
+                <a:spcPct val="90000"/>
+              </a:lnSpc>
+              <a:spcBef>
+                <a:spcPts val="500"/>
+              </a:spcBef>
+              <a:spcAft>
+                <a:spcPct val="0"/>
+              </a:spcAft>
+              <a:buFont typeface="Arial" panose="020B0604020202020204" pitchFamily="34" charset="0"/>
+              <a:buChar char="•"/>
+              <a:defRPr>
+                <a:solidFill>
+                  <a:schemeClr val="tx1"/>
+                </a:solidFill>
+                <a:latin typeface="Arial" panose="020B0604020202020204" pitchFamily="34" charset="0"/>
+                <a:ea typeface="微软雅黑" panose="020B0503020204020204" pitchFamily="34" charset="-122"/>
+              </a:defRPr>
+            </a:lvl7pPr>
+            <a:lvl8pPr marL="3429000" indent="-228600" eaLnBrk="0" fontAlgn="base" hangingPunct="0">
+              <a:lnSpc>
+                <a:spcPct val="90000"/>
+              </a:lnSpc>
+              <a:spcBef>
+                <a:spcPts val="500"/>
+              </a:spcBef>
+              <a:spcAft>
+                <a:spcPct val="0"/>
+              </a:spcAft>
+              <a:buFont typeface="Arial" panose="020B0604020202020204" pitchFamily="34" charset="0"/>
+              <a:buChar char="•"/>
+              <a:defRPr>
+                <a:solidFill>
+                  <a:schemeClr val="tx1"/>
+                </a:solidFill>
+                <a:latin typeface="Arial" panose="020B0604020202020204" pitchFamily="34" charset="0"/>
+                <a:ea typeface="微软雅黑" panose="020B0503020204020204" pitchFamily="34" charset="-122"/>
+              </a:defRPr>
+            </a:lvl8pPr>
+            <a:lvl9pPr marL="3886200" indent="-228600" eaLnBrk="0" fontAlgn="base" hangingPunct="0">
+              <a:lnSpc>
+                <a:spcPct val="90000"/>
+              </a:lnSpc>
+              <a:spcBef>
+                <a:spcPts val="500"/>
+              </a:spcBef>
+              <a:spcAft>
+                <a:spcPct val="0"/>
+              </a:spcAft>
+              <a:buFont typeface="Arial" panose="020B0604020202020204" pitchFamily="34" charset="0"/>
+              <a:buChar char="•"/>
+              <a:defRPr>
+                <a:solidFill>
+                  <a:schemeClr val="tx1"/>
+                </a:solidFill>
+                <a:latin typeface="Arial" panose="020B0604020202020204" pitchFamily="34" charset="0"/>
+                <a:ea typeface="微软雅黑" panose="020B0503020204020204" pitchFamily="34" charset="-122"/>
+              </a:defRPr>
+            </a:lvl9pPr>
+          </a:lstStyle>
+          <a:p>
+            <a:pPr eaLnBrk="1" hangingPunct="1">
+              <a:lnSpc>
+                <a:spcPct val="100000"/>
+              </a:lnSpc>
+              <a:spcBef>
+                <a:spcPct val="0"/>
+              </a:spcBef>
+              <a:buFontTx/>
+              <a:buNone/>
+            </a:pPr>
+            <a:r>
+              <a:rPr lang="en-US" altLang="zh-CN" sz="3200" b="1" dirty="0" smtClean="0">
+                <a:solidFill>
+                  <a:schemeClr val="bg1"/>
+                </a:solidFill>
+              </a:rPr>
+              <a:t>1</a:t>
+            </a:r>
+            <a:r>
+              <a:rPr lang="zh-CN" altLang="en-US" sz="3200" b="1" smtClean="0">
+                <a:solidFill>
+                  <a:schemeClr val="bg1"/>
+                </a:solidFill>
+              </a:rPr>
+              <a:t>、当前进度</a:t>
+            </a:r>
+            <a:endParaRPr lang="zh-CN" altLang="en-US" sz="3200" b="1">
+              <a:solidFill>
+                <a:schemeClr val="bg1"/>
+              </a:solidFill>
+            </a:endParaRPr>
+          </a:p>
+        </p:txBody>
+      </p:sp>
+      <p:cxnSp>
+        <p:nvCxnSpPr>
+          <p:cNvPr id="20" name="直接连接符 19"/>
+          <p:cNvCxnSpPr>
+            <a:stCxn id="23" idx="3"/>
+          </p:cNvCxnSpPr>
+          <p:nvPr/>
+        </p:nvCxnSpPr>
+        <p:spPr>
+          <a:xfrm>
+            <a:off x="4043680" y="574675"/>
+            <a:ext cx="8193405" cy="4445"/>
+          </a:xfrm>
+          <a:prstGeom prst="line">
+            <a:avLst/>
+          </a:prstGeom>
+          <a:ln w="38100">
+            <a:solidFill>
+              <a:srgbClr val="005CA7"/>
+            </a:solidFill>
+          </a:ln>
+        </p:spPr>
+        <p:style>
+          <a:lnRef idx="1">
+            <a:schemeClr val="accent1"/>
+          </a:lnRef>
+          <a:fillRef idx="0">
+            <a:schemeClr val="accent1"/>
+          </a:fillRef>
+          <a:effectRef idx="0">
+            <a:schemeClr val="accent1"/>
+          </a:effectRef>
+          <a:fontRef idx="minor">
+            <a:schemeClr val="tx1"/>
+          </a:fontRef>
+        </p:style>
+      </p:cxnSp>
+      <p:cxnSp>
+        <p:nvCxnSpPr>
+          <p:cNvPr id="21" name="直接连接符 20"/>
+          <p:cNvCxnSpPr/>
+          <p:nvPr/>
+        </p:nvCxnSpPr>
+        <p:spPr>
+          <a:xfrm>
+            <a:off x="-193573" y="571500"/>
+            <a:ext cx="1052155" cy="0"/>
+          </a:xfrm>
+          <a:prstGeom prst="line">
+            <a:avLst/>
+          </a:prstGeom>
+          <a:ln w="38100">
+            <a:solidFill>
+              <a:srgbClr val="005CA7"/>
+            </a:solidFill>
+          </a:ln>
+        </p:spPr>
+        <p:style>
+          <a:lnRef idx="1">
+            <a:schemeClr val="accent1"/>
+          </a:lnRef>
+          <a:fillRef idx="0">
+            <a:schemeClr val="accent1"/>
+          </a:fillRef>
+          <a:effectRef idx="0">
+            <a:schemeClr val="accent1"/>
+          </a:effectRef>
+          <a:fontRef idx="minor">
+            <a:schemeClr val="tx1"/>
+          </a:fontRef>
+        </p:style>
+      </p:cxnSp>
+      <p:grpSp>
+        <p:nvGrpSpPr>
+          <p:cNvPr id="22" name="组合 21"/>
+          <p:cNvGrpSpPr/>
+          <p:nvPr/>
+        </p:nvGrpSpPr>
+        <p:grpSpPr>
+          <a:xfrm>
+            <a:off x="883683" y="300264"/>
+            <a:ext cx="3159997" cy="523220"/>
+            <a:chOff x="858582" y="300264"/>
+            <a:chExt cx="3065386" cy="523220"/>
+          </a:xfrm>
+        </p:grpSpPr>
+        <p:sp>
+          <p:nvSpPr>
+            <p:cNvPr id="23" name="圆角矩形 22"/>
+            <p:cNvSpPr/>
+            <p:nvPr/>
+          </p:nvSpPr>
+          <p:spPr>
+            <a:xfrm>
+              <a:off x="858582" y="325576"/>
+              <a:ext cx="3065386" cy="497908"/>
+            </a:xfrm>
+            <a:prstGeom prst="roundRect">
+              <a:avLst>
+                <a:gd name="adj" fmla="val 50000"/>
+              </a:avLst>
+            </a:prstGeom>
+            <a:noFill/>
+            <a:ln w="38100">
+              <a:solidFill>
+                <a:srgbClr val="005CA7"/>
+              </a:solidFill>
+            </a:ln>
+          </p:spPr>
+          <p:style>
+            <a:lnRef idx="2">
+              <a:schemeClr val="accent1">
+                <a:shade val="50000"/>
+              </a:schemeClr>
+            </a:lnRef>
+            <a:fillRef idx="1">
+              <a:schemeClr val="accent1"/>
+            </a:fillRef>
+            <a:effectRef idx="0">
+              <a:schemeClr val="accent1"/>
+            </a:effectRef>
+            <a:fontRef idx="minor">
+              <a:schemeClr val="lt1"/>
+            </a:fontRef>
+          </p:style>
+          <p:txBody>
+            <a:bodyPr rtlCol="0" anchor="ctr"/>
+            <a:lstStyle/>
+            <a:p>
+              <a:pPr algn="ctr"/>
+              <a:endParaRPr lang="zh-CN" altLang="en-US"/>
+            </a:p>
+          </p:txBody>
+        </p:sp>
+        <p:sp>
+          <p:nvSpPr>
+            <p:cNvPr id="24" name="文本框 1"/>
+            <p:cNvSpPr>
+              <a:spLocks noChangeArrowheads="1"/>
+            </p:cNvSpPr>
+            <p:nvPr/>
+          </p:nvSpPr>
+          <p:spPr bwMode="auto">
+            <a:xfrm>
+              <a:off x="933433" y="300264"/>
+              <a:ext cx="2864544" cy="523220"/>
+            </a:xfrm>
+            <a:prstGeom prst="rect">
+              <a:avLst/>
+            </a:prstGeom>
+            <a:noFill/>
+          </p:spPr>
+          <p:txBody>
+            <a:bodyPr wrap="square" rtlCol="0">
+              <a:spAutoFit/>
+            </a:bodyPr>
+            <a:lstStyle/>
+            <a:p>
+              <a:pPr algn="ctr"/>
+              <a:r>
+                <a:rPr lang="en-US" altLang="zh-CN" sz="2800" b="1">
+                  <a:solidFill>
+                    <a:srgbClr val="005CA7"/>
+                  </a:solidFill>
+                  <a:latin typeface="微软雅黑" panose="020B0503020204020204" pitchFamily="34" charset="-122"/>
+                  <a:sym typeface="微软雅黑" panose="020B0503020204020204" pitchFamily="34" charset="-122"/>
+                </a:rPr>
+                <a:t>2</a:t>
+              </a:r>
+              <a:r>
+                <a:rPr lang="zh-CN" altLang="en-US" sz="2800" b="1" smtClean="0">
+                  <a:solidFill>
+                    <a:srgbClr val="005CA7"/>
+                  </a:solidFill>
+                  <a:latin typeface="微软雅黑" panose="020B0503020204020204" pitchFamily="34" charset="-122"/>
+                  <a:ea typeface="微软雅黑" panose="020B0503020204020204" pitchFamily="34" charset="-122"/>
+                  <a:sym typeface="微软雅黑" panose="020B0503020204020204" pitchFamily="34" charset="-122"/>
+                </a:rPr>
+                <a:t>、系统总体设计</a:t>
+              </a:r>
+              <a:endParaRPr lang="zh-CN" altLang="en-US" sz="2800" b="1" dirty="0">
+                <a:solidFill>
+                  <a:srgbClr val="005CA7"/>
+                </a:solidFill>
+                <a:latin typeface="微软雅黑" panose="020B0503020204020204" pitchFamily="34" charset="-122"/>
+                <a:ea typeface="微软雅黑" panose="020B0503020204020204" pitchFamily="34" charset="-122"/>
+                <a:sym typeface="微软雅黑" panose="020B0503020204020204" pitchFamily="34" charset="-122"/>
+              </a:endParaRPr>
+            </a:p>
+          </p:txBody>
+        </p:sp>
+      </p:grpSp>
+      <p:sp>
+        <p:nvSpPr>
+          <p:cNvPr id="28" name="文本框 27"/>
+          <p:cNvSpPr txBox="1"/>
+          <p:nvPr/>
+        </p:nvSpPr>
+        <p:spPr>
+          <a:xfrm>
+            <a:off x="329609" y="1871239"/>
+            <a:ext cx="4100210" cy="475615"/>
+          </a:xfrm>
+          <a:prstGeom prst="rect">
+            <a:avLst/>
+          </a:prstGeom>
+          <a:noFill/>
+        </p:spPr>
+        <p:txBody>
+          <a:bodyPr wrap="square" rtlCol="0">
+            <a:spAutoFit/>
+          </a:bodyPr>
+          <a:lstStyle/>
+          <a:p>
+            <a:pPr>
+              <a:lnSpc>
+                <a:spcPct val="125000"/>
+              </a:lnSpc>
+            </a:pPr>
+            <a:r>
+              <a:rPr lang="zh-CN" altLang="zh-CN" sz="2000">
+                <a:latin typeface="宋体" panose="02010600030101010101" pitchFamily="2" charset="-122"/>
+                <a:ea typeface="宋体" panose="02010600030101010101" pitchFamily="2" charset="-122"/>
+              </a:rPr>
+              <a:t>风电</a:t>
+            </a:r>
+            <a:endParaRPr lang="zh-CN" altLang="en-US" sz="2000">
+              <a:latin typeface="宋体" panose="02010600030101010101" pitchFamily="2" charset="-122"/>
+              <a:ea typeface="宋体" panose="02010600030101010101" pitchFamily="2" charset="-122"/>
+            </a:endParaRPr>
+          </a:p>
+        </p:txBody>
+      </p:sp>
+    </p:spTree>
+  </p:cSld>
+  <p:clrMapOvr>
+    <a:masterClrMapping/>
+  </p:clrMapOvr>
+  <p:transition spd="slow" advTm="501">
+    <p:wipe/>
+  </p:transition>
+  <p:timing>
+    <p:tnLst>
+      <p:par>
+        <p:cTn id="1" dur="indefinite" restart="never" nodeType="tmRoot"/>
+      </p:par>
+    </p:tnLst>
+  </p:timing>
+</p:sld>
+</file>
+
+<file path=ppt/slides/slide11.xml><?xml version="1.0" encoding="utf-8"?>
+<p:sld xmlns:a="http://schemas.openxmlformats.org/drawingml/2006/main" xmlns:r="http://schemas.openxmlformats.org/officeDocument/2006/relationships" xmlns:p="http://schemas.openxmlformats.org/presentationml/2006/main">
+  <p:cSld>
+    <p:spTree>
+      <p:nvGrpSpPr>
+        <p:cNvPr id="1" name=""/>
+        <p:cNvGrpSpPr/>
+        <p:nvPr/>
+      </p:nvGrpSpPr>
+      <p:grpSpPr>
+        <a:xfrm>
+          <a:off x="0" y="0"/>
+          <a:ext cx="0" cy="0"/>
+          <a:chOff x="0" y="0"/>
+          <a:chExt cx="0" cy="0"/>
+        </a:xfrm>
+      </p:grpSpPr>
+      <p:sp>
+        <p:nvSpPr>
+          <p:cNvPr id="18" name="文本框 1066"/>
+          <p:cNvSpPr txBox="1">
+            <a:spLocks noChangeArrowheads="1"/>
+          </p:cNvSpPr>
+          <p:nvPr/>
+        </p:nvSpPr>
+        <p:spPr bwMode="auto">
+          <a:xfrm>
+            <a:off x="62086" y="334719"/>
+            <a:ext cx="2464136" cy="584775"/>
+          </a:xfrm>
+          <a:prstGeom prst="rect">
+            <a:avLst/>
+          </a:prstGeom>
+          <a:noFill/>
+          <a:ln>
+            <a:noFill/>
+          </a:ln>
+          <a:extLst>
+            <a:ext uri="{909E8E84-426E-40DD-AFC4-6F175D3DCCD1}">
+              <a14:hiddenFill xmlns:a14="http://schemas.microsoft.com/office/drawing/2010/main">
+                <a:solidFill>
+                  <a:srgbClr val="FFFFFF"/>
+                </a:solidFill>
+              </a14:hiddenFill>
+            </a:ext>
+            <a:ext uri="{91240B29-F687-4F45-9708-019B960494DF}">
+              <a14:hiddenLine xmlns:a14="http://schemas.microsoft.com/office/drawing/2010/main" w="9525">
+                <a:solidFill>
+                  <a:srgbClr val="000000"/>
+                </a:solidFill>
+                <a:miter lim="800000"/>
+                <a:headEnd/>
+                <a:tailEnd/>
+              </a14:hiddenLine>
+            </a:ext>
+          </a:extLst>
+        </p:spPr>
+        <p:txBody>
+          <a:bodyPr wrap="none">
+            <a:spAutoFit/>
+          </a:bodyPr>
+          <a:lstStyle>
+            <a:lvl1pPr>
+              <a:lnSpc>
+                <a:spcPct val="90000"/>
+              </a:lnSpc>
+              <a:spcBef>
+                <a:spcPts val="1000"/>
+              </a:spcBef>
+              <a:buFont typeface="Arial" panose="020B0604020202020204" pitchFamily="34" charset="0"/>
+              <a:buChar char="•"/>
+              <a:defRPr sz="2800">
+                <a:solidFill>
+                  <a:schemeClr val="tx1"/>
+                </a:solidFill>
+                <a:latin typeface="Arial" panose="020B0604020202020204" pitchFamily="34" charset="0"/>
+                <a:ea typeface="微软雅黑" panose="020B0503020204020204" pitchFamily="34" charset="-122"/>
+              </a:defRPr>
+            </a:lvl1pPr>
+            <a:lvl2pPr marL="742950" indent="-285750">
+              <a:lnSpc>
+                <a:spcPct val="90000"/>
+              </a:lnSpc>
+              <a:spcBef>
+                <a:spcPts val="500"/>
+              </a:spcBef>
+              <a:buFont typeface="Arial" panose="020B0604020202020204" pitchFamily="34" charset="0"/>
+              <a:buChar char="•"/>
+              <a:defRPr sz="2400">
+                <a:solidFill>
+                  <a:schemeClr val="tx1"/>
+                </a:solidFill>
+                <a:latin typeface="Arial" panose="020B0604020202020204" pitchFamily="34" charset="0"/>
+                <a:ea typeface="微软雅黑" panose="020B0503020204020204" pitchFamily="34" charset="-122"/>
+              </a:defRPr>
+            </a:lvl2pPr>
+            <a:lvl3pPr marL="1143000" indent="-228600">
+              <a:lnSpc>
+                <a:spcPct val="90000"/>
+              </a:lnSpc>
+              <a:spcBef>
+                <a:spcPts val="500"/>
+              </a:spcBef>
+              <a:buFont typeface="Arial" panose="020B0604020202020204" pitchFamily="34" charset="0"/>
+              <a:buChar char="•"/>
+              <a:defRPr sz="2000">
+                <a:solidFill>
+                  <a:schemeClr val="tx1"/>
+                </a:solidFill>
+                <a:latin typeface="Arial" panose="020B0604020202020204" pitchFamily="34" charset="0"/>
+                <a:ea typeface="微软雅黑" panose="020B0503020204020204" pitchFamily="34" charset="-122"/>
+              </a:defRPr>
+            </a:lvl3pPr>
+            <a:lvl4pPr marL="1600200" indent="-228600">
+              <a:lnSpc>
+                <a:spcPct val="90000"/>
+              </a:lnSpc>
+              <a:spcBef>
+                <a:spcPts val="500"/>
+              </a:spcBef>
+              <a:buFont typeface="Arial" panose="020B0604020202020204" pitchFamily="34" charset="0"/>
+              <a:buChar char="•"/>
+              <a:defRPr>
+                <a:solidFill>
+                  <a:schemeClr val="tx1"/>
+                </a:solidFill>
+                <a:latin typeface="Arial" panose="020B0604020202020204" pitchFamily="34" charset="0"/>
+                <a:ea typeface="微软雅黑" panose="020B0503020204020204" pitchFamily="34" charset="-122"/>
+              </a:defRPr>
+            </a:lvl4pPr>
+            <a:lvl5pPr marL="2057400" indent="-228600">
+              <a:lnSpc>
+                <a:spcPct val="90000"/>
+              </a:lnSpc>
+              <a:spcBef>
+                <a:spcPts val="500"/>
+              </a:spcBef>
+              <a:buFont typeface="Arial" panose="020B0604020202020204" pitchFamily="34" charset="0"/>
+              <a:buChar char="•"/>
+              <a:defRPr>
+                <a:solidFill>
+                  <a:schemeClr val="tx1"/>
+                </a:solidFill>
+                <a:latin typeface="Arial" panose="020B0604020202020204" pitchFamily="34" charset="0"/>
+                <a:ea typeface="微软雅黑" panose="020B0503020204020204" pitchFamily="34" charset="-122"/>
+              </a:defRPr>
+            </a:lvl5pPr>
+            <a:lvl6pPr marL="2514600" indent="-228600" eaLnBrk="0" fontAlgn="base" hangingPunct="0">
+              <a:lnSpc>
+                <a:spcPct val="90000"/>
+              </a:lnSpc>
+              <a:spcBef>
+                <a:spcPts val="500"/>
+              </a:spcBef>
+              <a:spcAft>
+                <a:spcPct val="0"/>
+              </a:spcAft>
+              <a:buFont typeface="Arial" panose="020B0604020202020204" pitchFamily="34" charset="0"/>
+              <a:buChar char="•"/>
+              <a:defRPr>
+                <a:solidFill>
+                  <a:schemeClr val="tx1"/>
+                </a:solidFill>
+                <a:latin typeface="Arial" panose="020B0604020202020204" pitchFamily="34" charset="0"/>
+                <a:ea typeface="微软雅黑" panose="020B0503020204020204" pitchFamily="34" charset="-122"/>
+              </a:defRPr>
+            </a:lvl6pPr>
+            <a:lvl7pPr marL="2971800" indent="-228600" eaLnBrk="0" fontAlgn="base" hangingPunct="0">
+              <a:lnSpc>
+                <a:spcPct val="90000"/>
+              </a:lnSpc>
+              <a:spcBef>
+                <a:spcPts val="500"/>
+              </a:spcBef>
+              <a:spcAft>
+                <a:spcPct val="0"/>
+              </a:spcAft>
+              <a:buFont typeface="Arial" panose="020B0604020202020204" pitchFamily="34" charset="0"/>
+              <a:buChar char="•"/>
+              <a:defRPr>
+                <a:solidFill>
+                  <a:schemeClr val="tx1"/>
+                </a:solidFill>
+                <a:latin typeface="Arial" panose="020B0604020202020204" pitchFamily="34" charset="0"/>
+                <a:ea typeface="微软雅黑" panose="020B0503020204020204" pitchFamily="34" charset="-122"/>
+              </a:defRPr>
+            </a:lvl7pPr>
+            <a:lvl8pPr marL="3429000" indent="-228600" eaLnBrk="0" fontAlgn="base" hangingPunct="0">
+              <a:lnSpc>
+                <a:spcPct val="90000"/>
+              </a:lnSpc>
+              <a:spcBef>
+                <a:spcPts val="500"/>
+              </a:spcBef>
+              <a:spcAft>
+                <a:spcPct val="0"/>
+              </a:spcAft>
+              <a:buFont typeface="Arial" panose="020B0604020202020204" pitchFamily="34" charset="0"/>
+              <a:buChar char="•"/>
+              <a:defRPr>
+                <a:solidFill>
+                  <a:schemeClr val="tx1"/>
+                </a:solidFill>
+                <a:latin typeface="Arial" panose="020B0604020202020204" pitchFamily="34" charset="0"/>
+                <a:ea typeface="微软雅黑" panose="020B0503020204020204" pitchFamily="34" charset="-122"/>
+              </a:defRPr>
+            </a:lvl8pPr>
+            <a:lvl9pPr marL="3886200" indent="-228600" eaLnBrk="0" fontAlgn="base" hangingPunct="0">
+              <a:lnSpc>
+                <a:spcPct val="90000"/>
+              </a:lnSpc>
+              <a:spcBef>
+                <a:spcPts val="500"/>
+              </a:spcBef>
+              <a:spcAft>
+                <a:spcPct val="0"/>
+              </a:spcAft>
+              <a:buFont typeface="Arial" panose="020B0604020202020204" pitchFamily="34" charset="0"/>
+              <a:buChar char="•"/>
+              <a:defRPr>
+                <a:solidFill>
+                  <a:schemeClr val="tx1"/>
+                </a:solidFill>
+                <a:latin typeface="Arial" panose="020B0604020202020204" pitchFamily="34" charset="0"/>
+                <a:ea typeface="微软雅黑" panose="020B0503020204020204" pitchFamily="34" charset="-122"/>
+              </a:defRPr>
+            </a:lvl9pPr>
+          </a:lstStyle>
+          <a:p>
+            <a:pPr eaLnBrk="1" hangingPunct="1">
+              <a:lnSpc>
+                <a:spcPct val="100000"/>
+              </a:lnSpc>
+              <a:spcBef>
+                <a:spcPct val="0"/>
+              </a:spcBef>
+              <a:buFontTx/>
+              <a:buNone/>
+            </a:pPr>
+            <a:r>
+              <a:rPr lang="en-US" altLang="zh-CN" sz="3200" b="1" dirty="0" smtClean="0">
+                <a:solidFill>
+                  <a:schemeClr val="bg1"/>
+                </a:solidFill>
+              </a:rPr>
+              <a:t>1</a:t>
+            </a:r>
+            <a:r>
+              <a:rPr lang="zh-CN" altLang="en-US" sz="3200" b="1" smtClean="0">
+                <a:solidFill>
+                  <a:schemeClr val="bg1"/>
+                </a:solidFill>
+              </a:rPr>
+              <a:t>、当前进度</a:t>
+            </a:r>
+            <a:endParaRPr lang="zh-CN" altLang="en-US" sz="3200" b="1">
+              <a:solidFill>
+                <a:schemeClr val="bg1"/>
+              </a:solidFill>
+            </a:endParaRPr>
+          </a:p>
+        </p:txBody>
+      </p:sp>
+      <p:sp>
+        <p:nvSpPr>
+          <p:cNvPr id="9" name="文本框 8"/>
+          <p:cNvSpPr txBox="1"/>
+          <p:nvPr/>
+        </p:nvSpPr>
+        <p:spPr>
+          <a:xfrm>
+            <a:off x="4902847" y="2222819"/>
+            <a:ext cx="2386330" cy="828675"/>
+          </a:xfrm>
+          <a:prstGeom prst="rect">
+            <a:avLst/>
+          </a:prstGeom>
+          <a:noFill/>
+        </p:spPr>
+        <p:txBody>
+          <a:bodyPr wrap="none" lIns="91436" tIns="45718" rIns="91436" bIns="45718" rtlCol="0">
+            <a:spAutoFit/>
+          </a:bodyPr>
+          <a:lstStyle>
+            <a:defPPr>
+              <a:defRPr lang="zh-CN"/>
+            </a:defPPr>
+            <a:lvl1pPr>
+              <a:defRPr sz="2800">
+                <a:solidFill>
+                  <a:schemeClr val="tx1">
+                    <a:lumMod val="65000"/>
+                    <a:lumOff val="35000"/>
+                  </a:schemeClr>
+                </a:solidFill>
+                <a:latin typeface="微软雅黑" panose="020B0503020204020204" pitchFamily="34" charset="-122"/>
+                <a:ea typeface="微软雅黑" panose="020B0503020204020204" pitchFamily="34" charset="-122"/>
+              </a:defRPr>
+            </a:lvl1pPr>
+          </a:lstStyle>
+          <a:p>
+            <a:pPr algn="ctr"/>
+            <a:r>
+              <a:rPr lang="en-US" altLang="zh-CN" sz="4800" b="1" smtClean="0">
+                <a:solidFill>
+                  <a:srgbClr val="005CA7"/>
+                </a:solidFill>
+              </a:rPr>
+              <a:t>5</a:t>
+            </a:r>
+            <a:r>
+              <a:rPr lang="zh-CN" altLang="en-US" sz="4800" b="1" smtClean="0">
+                <a:solidFill>
+                  <a:srgbClr val="005CA7"/>
+                </a:solidFill>
+              </a:rPr>
+              <a:t>、</a:t>
+            </a:r>
+            <a:r>
+              <a:rPr lang="zh-CN" altLang="en-US" sz="4800" b="1" smtClean="0">
+                <a:solidFill>
+                  <a:srgbClr val="005CA7"/>
+                </a:solidFill>
+                <a:sym typeface="+mn-ea"/>
+              </a:rPr>
+              <a:t>问题</a:t>
+            </a:r>
+            <a:endParaRPr lang="zh-CN" altLang="en-US" sz="4800" b="1" smtClean="0">
+              <a:solidFill>
+                <a:srgbClr val="005CA7"/>
+              </a:solidFill>
+              <a:sym typeface="+mn-ea"/>
+            </a:endParaRPr>
+          </a:p>
+        </p:txBody>
+      </p:sp>
+      <p:grpSp>
+        <p:nvGrpSpPr>
+          <p:cNvPr id="13" name="组合 12"/>
+          <p:cNvGrpSpPr/>
+          <p:nvPr/>
+        </p:nvGrpSpPr>
+        <p:grpSpPr>
+          <a:xfrm>
+            <a:off x="8856539" y="2615142"/>
+            <a:ext cx="3424360" cy="354027"/>
+            <a:chOff x="743958" y="3475975"/>
+            <a:chExt cx="753417" cy="0"/>
+          </a:xfrm>
+        </p:grpSpPr>
+        <p:cxnSp>
+          <p:nvCxnSpPr>
+            <p:cNvPr id="14" name="直接连接符 13"/>
+            <p:cNvCxnSpPr/>
+            <p:nvPr/>
+          </p:nvCxnSpPr>
+          <p:spPr>
+            <a:xfrm flipH="1" flipV="1">
+              <a:off x="951148" y="3475975"/>
+              <a:ext cx="546227" cy="0"/>
+            </a:xfrm>
+            <a:prstGeom prst="line">
+              <a:avLst/>
+            </a:prstGeom>
+            <a:ln w="7620">
+              <a:solidFill>
+                <a:schemeClr val="tx1">
+                  <a:lumMod val="50000"/>
+                  <a:lumOff val="50000"/>
+                </a:schemeClr>
+              </a:solidFill>
+              <a:prstDash val="dash"/>
+              <a:tailEnd type="diamond"/>
+            </a:ln>
+          </p:spPr>
+          <p:style>
+            <a:lnRef idx="1">
+              <a:schemeClr val="accent1"/>
+            </a:lnRef>
+            <a:fillRef idx="0">
+              <a:schemeClr val="accent1"/>
+            </a:fillRef>
+            <a:effectRef idx="0">
+              <a:schemeClr val="accent1"/>
+            </a:effectRef>
+            <a:fontRef idx="minor">
+              <a:schemeClr val="tx1"/>
+            </a:fontRef>
+          </p:style>
+        </p:cxnSp>
+        <p:cxnSp>
+          <p:nvCxnSpPr>
+            <p:cNvPr id="15" name="直接连接符 14"/>
+            <p:cNvCxnSpPr/>
+            <p:nvPr/>
+          </p:nvCxnSpPr>
+          <p:spPr>
+            <a:xfrm flipH="1">
+              <a:off x="743958" y="3475975"/>
+              <a:ext cx="207190" cy="0"/>
+            </a:xfrm>
+            <a:prstGeom prst="line">
+              <a:avLst/>
+            </a:prstGeom>
+            <a:ln w="7620">
+              <a:solidFill>
+                <a:schemeClr val="tx1">
+                  <a:lumMod val="50000"/>
+                  <a:lumOff val="50000"/>
+                </a:schemeClr>
+              </a:solidFill>
+            </a:ln>
+          </p:spPr>
+          <p:style>
+            <a:lnRef idx="1">
+              <a:schemeClr val="accent1"/>
+            </a:lnRef>
+            <a:fillRef idx="0">
+              <a:schemeClr val="accent1"/>
+            </a:fillRef>
+            <a:effectRef idx="0">
+              <a:schemeClr val="accent1"/>
+            </a:effectRef>
+            <a:fontRef idx="minor">
+              <a:schemeClr val="tx1"/>
+            </a:fontRef>
+          </p:style>
+        </p:cxnSp>
+      </p:grpSp>
+      <p:grpSp>
+        <p:nvGrpSpPr>
+          <p:cNvPr id="16" name="组合 15"/>
+          <p:cNvGrpSpPr/>
+          <p:nvPr/>
+        </p:nvGrpSpPr>
+        <p:grpSpPr>
+          <a:xfrm flipH="1">
+            <a:off x="-114301" y="2609107"/>
+            <a:ext cx="3449785" cy="444705"/>
+            <a:chOff x="743958" y="3475975"/>
+            <a:chExt cx="753417" cy="0"/>
+          </a:xfrm>
+        </p:grpSpPr>
+        <p:cxnSp>
+          <p:nvCxnSpPr>
+            <p:cNvPr id="17" name="直接连接符 16"/>
+            <p:cNvCxnSpPr/>
+            <p:nvPr/>
+          </p:nvCxnSpPr>
+          <p:spPr>
+            <a:xfrm flipH="1" flipV="1">
+              <a:off x="951148" y="3475975"/>
+              <a:ext cx="546227" cy="0"/>
+            </a:xfrm>
+            <a:prstGeom prst="line">
+              <a:avLst/>
+            </a:prstGeom>
+            <a:ln w="7620">
+              <a:solidFill>
+                <a:schemeClr val="tx1">
+                  <a:lumMod val="50000"/>
+                  <a:lumOff val="50000"/>
+                </a:schemeClr>
+              </a:solidFill>
+              <a:prstDash val="dash"/>
+              <a:tailEnd type="diamond"/>
+            </a:ln>
+          </p:spPr>
+          <p:style>
+            <a:lnRef idx="1">
+              <a:schemeClr val="accent1"/>
+            </a:lnRef>
+            <a:fillRef idx="0">
+              <a:schemeClr val="accent1"/>
+            </a:fillRef>
+            <a:effectRef idx="0">
+              <a:schemeClr val="accent1"/>
+            </a:effectRef>
+            <a:fontRef idx="minor">
+              <a:schemeClr val="tx1"/>
+            </a:fontRef>
+          </p:style>
+        </p:cxnSp>
+        <p:cxnSp>
+          <p:nvCxnSpPr>
+            <p:cNvPr id="19" name="直接连接符 18"/>
+            <p:cNvCxnSpPr/>
+            <p:nvPr/>
+          </p:nvCxnSpPr>
+          <p:spPr>
+            <a:xfrm flipH="1">
+              <a:off x="743958" y="3475975"/>
+              <a:ext cx="207190" cy="0"/>
+            </a:xfrm>
+            <a:prstGeom prst="line">
+              <a:avLst/>
+            </a:prstGeom>
+            <a:ln w="7620">
+              <a:solidFill>
+                <a:schemeClr val="tx1">
+                  <a:lumMod val="50000"/>
+                  <a:lumOff val="50000"/>
+                </a:schemeClr>
+              </a:solidFill>
+            </a:ln>
+          </p:spPr>
+          <p:style>
+            <a:lnRef idx="1">
+              <a:schemeClr val="accent1"/>
+            </a:lnRef>
+            <a:fillRef idx="0">
+              <a:schemeClr val="accent1"/>
+            </a:fillRef>
+            <a:effectRef idx="0">
+              <a:schemeClr val="accent1"/>
+            </a:effectRef>
+            <a:fontRef idx="minor">
+              <a:schemeClr val="tx1"/>
+            </a:fontRef>
+          </p:style>
+        </p:cxnSp>
+      </p:grpSp>
+    </p:spTree>
+  </p:cSld>
+  <p:clrMapOvr>
+    <a:masterClrMapping/>
+  </p:clrMapOvr>
+  <p:transition spd="slow" advTm="501">
+    <p:randomBar dir="vert"/>
+  </p:transition>
+  <p:timing>
+    <p:tnLst>
+      <p:par>
+        <p:cTn id="1" dur="indefinite" restart="never" nodeType="tmRoot"/>
+      </p:par>
+    </p:tnLst>
+  </p:timing>
+</p:sld>
+</file>
+
+<file path=ppt/slides/slide12.xml><?xml version="1.0" encoding="utf-8"?>
+<p:sld xmlns:a="http://schemas.openxmlformats.org/drawingml/2006/main" xmlns:r="http://schemas.openxmlformats.org/officeDocument/2006/relationships" xmlns:p="http://schemas.openxmlformats.org/presentationml/2006/main">
+  <p:cSld>
+    <p:spTree>
+      <p:nvGrpSpPr>
+        <p:cNvPr id="1" name=""/>
+        <p:cNvGrpSpPr/>
+        <p:nvPr/>
+      </p:nvGrpSpPr>
+      <p:grpSpPr>
+        <a:xfrm>
+          <a:off x="0" y="0"/>
+          <a:ext cx="0" cy="0"/>
+          <a:chOff x="0" y="0"/>
+          <a:chExt cx="0" cy="0"/>
+        </a:xfrm>
+      </p:grpSpPr>
+      <p:sp>
+        <p:nvSpPr>
+          <p:cNvPr id="9" name="圆角矩形 8"/>
+          <p:cNvSpPr/>
+          <p:nvPr/>
+        </p:nvSpPr>
+        <p:spPr>
+          <a:xfrm rot="10800000" flipV="1">
+            <a:off x="784903" y="1346208"/>
+            <a:ext cx="272237" cy="276076"/>
+          </a:xfrm>
+          <a:prstGeom prst="roundRect">
+            <a:avLst>
+              <a:gd name="adj" fmla="val 5039"/>
+            </a:avLst>
+          </a:prstGeom>
+          <a:solidFill>
+            <a:srgbClr val="005798"/>
+          </a:solidFill>
+          <a:ln>
+            <a:solidFill>
+              <a:srgbClr val="7F7F7F"/>
+            </a:solidFill>
+          </a:ln>
+          <a:effectLst>
+            <a:outerShdw blurRad="50800" dist="38100" dir="5400000" algn="t" rotWithShape="0">
+              <a:prstClr val="black">
+                <a:alpha val="40000"/>
+              </a:prstClr>
+            </a:outerShdw>
+          </a:effectLst>
+        </p:spPr>
+        <p:style>
+          <a:lnRef idx="2">
+            <a:schemeClr val="accent1">
+              <a:shade val="50000"/>
+            </a:schemeClr>
+          </a:lnRef>
+          <a:fillRef idx="1">
+            <a:schemeClr val="accent1"/>
+          </a:fillRef>
+          <a:effectRef idx="0">
+            <a:schemeClr val="accent1"/>
+          </a:effectRef>
+          <a:fontRef idx="minor">
+            <a:schemeClr val="lt1"/>
+          </a:fontRef>
+        </p:style>
+        <p:txBody>
+          <a:bodyPr lIns="91438" tIns="45719" rIns="91438" bIns="45719" rtlCol="0" anchor="ctr"/>
+          <a:lstStyle/>
+          <a:p>
+            <a:pPr algn="ctr">
+              <a:lnSpc>
+                <a:spcPct val="130000"/>
+              </a:lnSpc>
+            </a:pPr>
+            <a:endParaRPr lang="zh-CN" altLang="en-US" sz="3600" dirty="0">
+              <a:latin typeface="微软雅黑" panose="020B0503020204020204" pitchFamily="34" charset="-122"/>
+              <a:ea typeface="微软雅黑" panose="020B0503020204020204" pitchFamily="34" charset="-122"/>
+            </a:endParaRPr>
+          </a:p>
+        </p:txBody>
+      </p:sp>
+      <p:sp>
+        <p:nvSpPr>
+          <p:cNvPr id="12" name="文本框 11"/>
+          <p:cNvSpPr txBox="1"/>
+          <p:nvPr/>
+        </p:nvSpPr>
+        <p:spPr>
+          <a:xfrm>
+            <a:off x="1186801" y="1232062"/>
+            <a:ext cx="2031321" cy="525655"/>
+          </a:xfrm>
+          <a:prstGeom prst="rect">
+            <a:avLst/>
+          </a:prstGeom>
+          <a:noFill/>
+        </p:spPr>
+        <p:txBody>
+          <a:bodyPr wrap="none" lIns="91438" tIns="45719" rIns="91438" bIns="45719" rtlCol="0">
+            <a:spAutoFit/>
+          </a:bodyPr>
+          <a:lstStyle/>
+          <a:p>
+            <a:pPr>
+              <a:lnSpc>
+                <a:spcPct val="130000"/>
+              </a:lnSpc>
+            </a:pPr>
+            <a:r>
+              <a:rPr lang="zh-CN" altLang="en-US" sz="2400" smtClean="0">
+                <a:latin typeface="+mn-ea"/>
+                <a:ea typeface="+mn-ea"/>
+              </a:rPr>
+              <a:t>设计方案概述</a:t>
+            </a:r>
+            <a:endParaRPr lang="zh-CN" altLang="en-US" sz="2400" dirty="0">
+              <a:latin typeface="+mn-ea"/>
+              <a:ea typeface="+mn-ea"/>
+            </a:endParaRPr>
+          </a:p>
+        </p:txBody>
+      </p:sp>
+      <p:sp>
+        <p:nvSpPr>
+          <p:cNvPr id="19" name="文本框 1066"/>
+          <p:cNvSpPr txBox="1">
+            <a:spLocks noChangeArrowheads="1"/>
+          </p:cNvSpPr>
+          <p:nvPr/>
+        </p:nvSpPr>
+        <p:spPr bwMode="auto">
+          <a:xfrm>
+            <a:off x="62086" y="334719"/>
+            <a:ext cx="2464136" cy="584775"/>
+          </a:xfrm>
+          <a:prstGeom prst="rect">
+            <a:avLst/>
+          </a:prstGeom>
+          <a:noFill/>
+          <a:ln>
+            <a:noFill/>
+          </a:ln>
+          <a:extLst>
+            <a:ext uri="{909E8E84-426E-40DD-AFC4-6F175D3DCCD1}">
+              <a14:hiddenFill xmlns:a14="http://schemas.microsoft.com/office/drawing/2010/main">
+                <a:solidFill>
+                  <a:srgbClr val="FFFFFF"/>
+                </a:solidFill>
+              </a14:hiddenFill>
+            </a:ext>
+            <a:ext uri="{91240B29-F687-4F45-9708-019B960494DF}">
+              <a14:hiddenLine xmlns:a14="http://schemas.microsoft.com/office/drawing/2010/main" w="9525">
+                <a:solidFill>
+                  <a:srgbClr val="000000"/>
+                </a:solidFill>
+                <a:miter lim="800000"/>
+                <a:headEnd/>
+                <a:tailEnd/>
+              </a14:hiddenLine>
+            </a:ext>
+          </a:extLst>
+        </p:spPr>
+        <p:txBody>
+          <a:bodyPr wrap="none">
+            <a:spAutoFit/>
+          </a:bodyPr>
+          <a:lstStyle>
+            <a:lvl1pPr>
+              <a:lnSpc>
+                <a:spcPct val="90000"/>
+              </a:lnSpc>
+              <a:spcBef>
+                <a:spcPts val="1000"/>
+              </a:spcBef>
+              <a:buFont typeface="Arial" panose="020B0604020202020204" pitchFamily="34" charset="0"/>
+              <a:buChar char="•"/>
+              <a:defRPr sz="2800">
+                <a:solidFill>
+                  <a:schemeClr val="tx1"/>
+                </a:solidFill>
+                <a:latin typeface="Arial" panose="020B0604020202020204" pitchFamily="34" charset="0"/>
+                <a:ea typeface="微软雅黑" panose="020B0503020204020204" pitchFamily="34" charset="-122"/>
+              </a:defRPr>
+            </a:lvl1pPr>
+            <a:lvl2pPr marL="742950" indent="-285750">
+              <a:lnSpc>
+                <a:spcPct val="90000"/>
+              </a:lnSpc>
+              <a:spcBef>
+                <a:spcPts val="500"/>
+              </a:spcBef>
+              <a:buFont typeface="Arial" panose="020B0604020202020204" pitchFamily="34" charset="0"/>
+              <a:buChar char="•"/>
+              <a:defRPr sz="2400">
+                <a:solidFill>
+                  <a:schemeClr val="tx1"/>
+                </a:solidFill>
+                <a:latin typeface="Arial" panose="020B0604020202020204" pitchFamily="34" charset="0"/>
+                <a:ea typeface="微软雅黑" panose="020B0503020204020204" pitchFamily="34" charset="-122"/>
+              </a:defRPr>
+            </a:lvl2pPr>
+            <a:lvl3pPr marL="1143000" indent="-228600">
+              <a:lnSpc>
+                <a:spcPct val="90000"/>
+              </a:lnSpc>
+              <a:spcBef>
+                <a:spcPts val="500"/>
+              </a:spcBef>
+              <a:buFont typeface="Arial" panose="020B0604020202020204" pitchFamily="34" charset="0"/>
+              <a:buChar char="•"/>
+              <a:defRPr sz="2000">
+                <a:solidFill>
+                  <a:schemeClr val="tx1"/>
+                </a:solidFill>
+                <a:latin typeface="Arial" panose="020B0604020202020204" pitchFamily="34" charset="0"/>
+                <a:ea typeface="微软雅黑" panose="020B0503020204020204" pitchFamily="34" charset="-122"/>
+              </a:defRPr>
+            </a:lvl3pPr>
+            <a:lvl4pPr marL="1600200" indent="-228600">
+              <a:lnSpc>
+                <a:spcPct val="90000"/>
+              </a:lnSpc>
+              <a:spcBef>
+                <a:spcPts val="500"/>
+              </a:spcBef>
+              <a:buFont typeface="Arial" panose="020B0604020202020204" pitchFamily="34" charset="0"/>
+              <a:buChar char="•"/>
+              <a:defRPr>
+                <a:solidFill>
+                  <a:schemeClr val="tx1"/>
+                </a:solidFill>
+                <a:latin typeface="Arial" panose="020B0604020202020204" pitchFamily="34" charset="0"/>
+                <a:ea typeface="微软雅黑" panose="020B0503020204020204" pitchFamily="34" charset="-122"/>
+              </a:defRPr>
+            </a:lvl4pPr>
+            <a:lvl5pPr marL="2057400" indent="-228600">
+              <a:lnSpc>
+                <a:spcPct val="90000"/>
+              </a:lnSpc>
+              <a:spcBef>
+                <a:spcPts val="500"/>
+              </a:spcBef>
+              <a:buFont typeface="Arial" panose="020B0604020202020204" pitchFamily="34" charset="0"/>
+              <a:buChar char="•"/>
+              <a:defRPr>
+                <a:solidFill>
+                  <a:schemeClr val="tx1"/>
+                </a:solidFill>
+                <a:latin typeface="Arial" panose="020B0604020202020204" pitchFamily="34" charset="0"/>
+                <a:ea typeface="微软雅黑" panose="020B0503020204020204" pitchFamily="34" charset="-122"/>
+              </a:defRPr>
+            </a:lvl5pPr>
+            <a:lvl6pPr marL="2514600" indent="-228600" eaLnBrk="0" fontAlgn="base" hangingPunct="0">
+              <a:lnSpc>
+                <a:spcPct val="90000"/>
+              </a:lnSpc>
+              <a:spcBef>
+                <a:spcPts val="500"/>
+              </a:spcBef>
+              <a:spcAft>
+                <a:spcPct val="0"/>
+              </a:spcAft>
+              <a:buFont typeface="Arial" panose="020B0604020202020204" pitchFamily="34" charset="0"/>
+              <a:buChar char="•"/>
+              <a:defRPr>
+                <a:solidFill>
+                  <a:schemeClr val="tx1"/>
+                </a:solidFill>
+                <a:latin typeface="Arial" panose="020B0604020202020204" pitchFamily="34" charset="0"/>
+                <a:ea typeface="微软雅黑" panose="020B0503020204020204" pitchFamily="34" charset="-122"/>
+              </a:defRPr>
+            </a:lvl6pPr>
+            <a:lvl7pPr marL="2971800" indent="-228600" eaLnBrk="0" fontAlgn="base" hangingPunct="0">
+              <a:lnSpc>
+                <a:spcPct val="90000"/>
+              </a:lnSpc>
+              <a:spcBef>
+                <a:spcPts val="500"/>
+              </a:spcBef>
+              <a:spcAft>
+                <a:spcPct val="0"/>
+              </a:spcAft>
+              <a:buFont typeface="Arial" panose="020B0604020202020204" pitchFamily="34" charset="0"/>
+              <a:buChar char="•"/>
+              <a:defRPr>
+                <a:solidFill>
+                  <a:schemeClr val="tx1"/>
+                </a:solidFill>
+                <a:latin typeface="Arial" panose="020B0604020202020204" pitchFamily="34" charset="0"/>
+                <a:ea typeface="微软雅黑" panose="020B0503020204020204" pitchFamily="34" charset="-122"/>
+              </a:defRPr>
+            </a:lvl7pPr>
+            <a:lvl8pPr marL="3429000" indent="-228600" eaLnBrk="0" fontAlgn="base" hangingPunct="0">
+              <a:lnSpc>
+                <a:spcPct val="90000"/>
+              </a:lnSpc>
+              <a:spcBef>
+                <a:spcPts val="500"/>
+              </a:spcBef>
+              <a:spcAft>
+                <a:spcPct val="0"/>
+              </a:spcAft>
+              <a:buFont typeface="Arial" panose="020B0604020202020204" pitchFamily="34" charset="0"/>
+              <a:buChar char="•"/>
+              <a:defRPr>
+                <a:solidFill>
+                  <a:schemeClr val="tx1"/>
+                </a:solidFill>
+                <a:latin typeface="Arial" panose="020B0604020202020204" pitchFamily="34" charset="0"/>
+                <a:ea typeface="微软雅黑" panose="020B0503020204020204" pitchFamily="34" charset="-122"/>
+              </a:defRPr>
+            </a:lvl8pPr>
+            <a:lvl9pPr marL="3886200" indent="-228600" eaLnBrk="0" fontAlgn="base" hangingPunct="0">
+              <a:lnSpc>
+                <a:spcPct val="90000"/>
+              </a:lnSpc>
+              <a:spcBef>
+                <a:spcPts val="500"/>
+              </a:spcBef>
+              <a:spcAft>
+                <a:spcPct val="0"/>
+              </a:spcAft>
+              <a:buFont typeface="Arial" panose="020B0604020202020204" pitchFamily="34" charset="0"/>
+              <a:buChar char="•"/>
+              <a:defRPr>
+                <a:solidFill>
+                  <a:schemeClr val="tx1"/>
+                </a:solidFill>
+                <a:latin typeface="Arial" panose="020B0604020202020204" pitchFamily="34" charset="0"/>
+                <a:ea typeface="微软雅黑" panose="020B0503020204020204" pitchFamily="34" charset="-122"/>
+              </a:defRPr>
+            </a:lvl9pPr>
+          </a:lstStyle>
+          <a:p>
+            <a:pPr eaLnBrk="1" hangingPunct="1">
+              <a:lnSpc>
+                <a:spcPct val="100000"/>
+              </a:lnSpc>
+              <a:spcBef>
+                <a:spcPct val="0"/>
+              </a:spcBef>
+              <a:buFontTx/>
+              <a:buNone/>
+            </a:pPr>
+            <a:r>
+              <a:rPr lang="en-US" altLang="zh-CN" sz="3200" b="1" dirty="0" smtClean="0">
+                <a:solidFill>
+                  <a:schemeClr val="bg1"/>
+                </a:solidFill>
+              </a:rPr>
+              <a:t>1</a:t>
+            </a:r>
+            <a:r>
+              <a:rPr lang="zh-CN" altLang="en-US" sz="3200" b="1" smtClean="0">
+                <a:solidFill>
+                  <a:schemeClr val="bg1"/>
+                </a:solidFill>
+              </a:rPr>
+              <a:t>、当前进度</a:t>
+            </a:r>
+            <a:endParaRPr lang="zh-CN" altLang="en-US" sz="3200" b="1">
+              <a:solidFill>
+                <a:schemeClr val="bg1"/>
+              </a:solidFill>
+            </a:endParaRPr>
+          </a:p>
+        </p:txBody>
+      </p:sp>
+      <p:cxnSp>
+        <p:nvCxnSpPr>
+          <p:cNvPr id="20" name="直接连接符 19"/>
+          <p:cNvCxnSpPr>
+            <a:stCxn id="23" idx="3"/>
+          </p:cNvCxnSpPr>
+          <p:nvPr/>
+        </p:nvCxnSpPr>
+        <p:spPr>
+          <a:xfrm>
+            <a:off x="4043680" y="574675"/>
+            <a:ext cx="8193405" cy="4445"/>
+          </a:xfrm>
+          <a:prstGeom prst="line">
+            <a:avLst/>
+          </a:prstGeom>
+          <a:ln w="38100">
+            <a:solidFill>
+              <a:srgbClr val="005CA7"/>
+            </a:solidFill>
+          </a:ln>
+        </p:spPr>
+        <p:style>
+          <a:lnRef idx="1">
+            <a:schemeClr val="accent1"/>
+          </a:lnRef>
+          <a:fillRef idx="0">
+            <a:schemeClr val="accent1"/>
+          </a:fillRef>
+          <a:effectRef idx="0">
+            <a:schemeClr val="accent1"/>
+          </a:effectRef>
+          <a:fontRef idx="minor">
+            <a:schemeClr val="tx1"/>
+          </a:fontRef>
+        </p:style>
+      </p:cxnSp>
+      <p:cxnSp>
+        <p:nvCxnSpPr>
+          <p:cNvPr id="21" name="直接连接符 20"/>
+          <p:cNvCxnSpPr/>
+          <p:nvPr/>
+        </p:nvCxnSpPr>
+        <p:spPr>
+          <a:xfrm>
+            <a:off x="-193573" y="571500"/>
+            <a:ext cx="1052155" cy="0"/>
+          </a:xfrm>
+          <a:prstGeom prst="line">
+            <a:avLst/>
+          </a:prstGeom>
+          <a:ln w="38100">
+            <a:solidFill>
+              <a:srgbClr val="005CA7"/>
+            </a:solidFill>
+          </a:ln>
+        </p:spPr>
+        <p:style>
+          <a:lnRef idx="1">
+            <a:schemeClr val="accent1"/>
+          </a:lnRef>
+          <a:fillRef idx="0">
+            <a:schemeClr val="accent1"/>
+          </a:fillRef>
+          <a:effectRef idx="0">
+            <a:schemeClr val="accent1"/>
+          </a:effectRef>
+          <a:fontRef idx="minor">
+            <a:schemeClr val="tx1"/>
+          </a:fontRef>
+        </p:style>
+      </p:cxnSp>
+      <p:grpSp>
+        <p:nvGrpSpPr>
+          <p:cNvPr id="22" name="组合 21"/>
+          <p:cNvGrpSpPr/>
+          <p:nvPr/>
+        </p:nvGrpSpPr>
+        <p:grpSpPr>
+          <a:xfrm>
+            <a:off x="883683" y="300264"/>
+            <a:ext cx="3159997" cy="523220"/>
+            <a:chOff x="858582" y="300264"/>
+            <a:chExt cx="3065386" cy="523220"/>
+          </a:xfrm>
+        </p:grpSpPr>
+        <p:sp>
+          <p:nvSpPr>
+            <p:cNvPr id="23" name="圆角矩形 22"/>
+            <p:cNvSpPr/>
+            <p:nvPr/>
+          </p:nvSpPr>
+          <p:spPr>
+            <a:xfrm>
+              <a:off x="858582" y="325576"/>
+              <a:ext cx="3065386" cy="497908"/>
+            </a:xfrm>
+            <a:prstGeom prst="roundRect">
+              <a:avLst>
+                <a:gd name="adj" fmla="val 50000"/>
+              </a:avLst>
+            </a:prstGeom>
+            <a:noFill/>
+            <a:ln w="38100">
+              <a:solidFill>
+                <a:srgbClr val="005CA7"/>
+              </a:solidFill>
+            </a:ln>
+          </p:spPr>
+          <p:style>
+            <a:lnRef idx="2">
+              <a:schemeClr val="accent1">
+                <a:shade val="50000"/>
+              </a:schemeClr>
+            </a:lnRef>
+            <a:fillRef idx="1">
+              <a:schemeClr val="accent1"/>
+            </a:fillRef>
+            <a:effectRef idx="0">
+              <a:schemeClr val="accent1"/>
+            </a:effectRef>
+            <a:fontRef idx="minor">
+              <a:schemeClr val="lt1"/>
+            </a:fontRef>
+          </p:style>
+          <p:txBody>
+            <a:bodyPr rtlCol="0" anchor="ctr"/>
+            <a:lstStyle/>
+            <a:p>
+              <a:pPr algn="ctr"/>
+              <a:endParaRPr lang="zh-CN" altLang="en-US"/>
+            </a:p>
+          </p:txBody>
+        </p:sp>
+        <p:sp>
+          <p:nvSpPr>
+            <p:cNvPr id="24" name="文本框 1"/>
+            <p:cNvSpPr>
+              <a:spLocks noChangeArrowheads="1"/>
+            </p:cNvSpPr>
+            <p:nvPr/>
+          </p:nvSpPr>
+          <p:spPr bwMode="auto">
+            <a:xfrm>
+              <a:off x="933433" y="300264"/>
+              <a:ext cx="2864544" cy="523220"/>
+            </a:xfrm>
+            <a:prstGeom prst="rect">
+              <a:avLst/>
+            </a:prstGeom>
+            <a:noFill/>
+          </p:spPr>
+          <p:txBody>
+            <a:bodyPr wrap="square" rtlCol="0">
+              <a:spAutoFit/>
+            </a:bodyPr>
+            <a:lstStyle/>
+            <a:p>
+              <a:pPr algn="ctr"/>
+              <a:r>
+                <a:rPr lang="en-US" altLang="zh-CN" sz="2800" b="1">
+                  <a:solidFill>
+                    <a:srgbClr val="005CA7"/>
+                  </a:solidFill>
+                  <a:latin typeface="微软雅黑" panose="020B0503020204020204" pitchFamily="34" charset="-122"/>
+                  <a:sym typeface="微软雅黑" panose="020B0503020204020204" pitchFamily="34" charset="-122"/>
+                </a:rPr>
+                <a:t>2</a:t>
+              </a:r>
+              <a:r>
+                <a:rPr lang="zh-CN" altLang="en-US" sz="2800" b="1" smtClean="0">
+                  <a:solidFill>
+                    <a:srgbClr val="005CA7"/>
+                  </a:solidFill>
+                  <a:latin typeface="微软雅黑" panose="020B0503020204020204" pitchFamily="34" charset="-122"/>
+                  <a:ea typeface="微软雅黑" panose="020B0503020204020204" pitchFamily="34" charset="-122"/>
+                  <a:sym typeface="微软雅黑" panose="020B0503020204020204" pitchFamily="34" charset="-122"/>
+                </a:rPr>
+                <a:t>、系统总体设计</a:t>
+              </a:r>
+              <a:endParaRPr lang="zh-CN" altLang="en-US" sz="2800" b="1" dirty="0">
+                <a:solidFill>
+                  <a:srgbClr val="005CA7"/>
+                </a:solidFill>
+                <a:latin typeface="微软雅黑" panose="020B0503020204020204" pitchFamily="34" charset="-122"/>
+                <a:ea typeface="微软雅黑" panose="020B0503020204020204" pitchFamily="34" charset="-122"/>
+                <a:sym typeface="微软雅黑" panose="020B0503020204020204" pitchFamily="34" charset="-122"/>
+              </a:endParaRPr>
+            </a:p>
+          </p:txBody>
+        </p:sp>
+      </p:grpSp>
+      <p:sp>
+        <p:nvSpPr>
+          <p:cNvPr id="28" name="文本框 27"/>
+          <p:cNvSpPr txBox="1"/>
+          <p:nvPr/>
+        </p:nvSpPr>
+        <p:spPr>
+          <a:xfrm>
+            <a:off x="329609" y="1871239"/>
+            <a:ext cx="4100210" cy="475615"/>
+          </a:xfrm>
+          <a:prstGeom prst="rect">
+            <a:avLst/>
+          </a:prstGeom>
+          <a:noFill/>
+        </p:spPr>
+        <p:txBody>
+          <a:bodyPr wrap="square" rtlCol="0">
+            <a:spAutoFit/>
+          </a:bodyPr>
+          <a:lstStyle/>
+          <a:p>
+            <a:pPr>
+              <a:lnSpc>
+                <a:spcPct val="125000"/>
+              </a:lnSpc>
+            </a:pPr>
+            <a:r>
+              <a:rPr lang="zh-CN" altLang="zh-CN" sz="2000">
+                <a:latin typeface="宋体" panose="02010600030101010101" pitchFamily="2" charset="-122"/>
+                <a:ea typeface="宋体" panose="02010600030101010101" pitchFamily="2" charset="-122"/>
+              </a:rPr>
+              <a:t>风电</a:t>
+            </a:r>
+            <a:endParaRPr lang="zh-CN" altLang="en-US" sz="2000">
+              <a:latin typeface="宋体" panose="02010600030101010101" pitchFamily="2" charset="-122"/>
+              <a:ea typeface="宋体" panose="02010600030101010101" pitchFamily="2" charset="-122"/>
+            </a:endParaRPr>
+          </a:p>
+        </p:txBody>
+      </p:sp>
+    </p:spTree>
+  </p:cSld>
+  <p:clrMapOvr>
+    <a:masterClrMapping/>
+  </p:clrMapOvr>
+  <p:transition spd="slow" advTm="501">
+    <p:wipe/>
+  </p:transition>
+  <p:timing>
+    <p:tnLst>
+      <p:par>
+        <p:cTn id="1" dur="indefinite" restart="never" nodeType="tmRoot"/>
+      </p:par>
+    </p:tnLst>
+  </p:timing>
+</p:sld>
+</file>
+
 <file path=ppt/slides/slide2.xml><?xml version="1.0" encoding="utf-8"?>
 <p:sld xmlns:a="http://schemas.openxmlformats.org/drawingml/2006/main" xmlns:r="http://schemas.openxmlformats.org/officeDocument/2006/relationships" xmlns:p="http://schemas.openxmlformats.org/presentationml/2006/main">
   <p:cSld>
@@ -4399,8 +6180,8 @@
         </p:nvSpPr>
         <p:spPr>
           <a:xfrm>
-            <a:off x="5808422" y="3111119"/>
-            <a:ext cx="2495550" cy="520700"/>
+            <a:off x="5808422" y="3502914"/>
+            <a:ext cx="1604010" cy="520700"/>
           </a:xfrm>
           <a:prstGeom prst="rect">
             <a:avLst/>
@@ -4430,12 +6211,12 @@
           </a:lstStyle>
           <a:p>
             <a:r>
-              <a:rPr lang="en-US" altLang="zh-CN" smtClean="0">
+              <a:rPr lang="zh-CN" altLang="en-US" smtClean="0">
                 <a:solidFill>
                   <a:schemeClr val="tx1"/>
                 </a:solidFill>
               </a:rPr>
-              <a:t>ETCD</a:t>
+              <a:t>基本</a:t>
             </a:r>
             <a:r>
               <a:rPr lang="zh-CN" altLang="en-US" smtClean="0">
@@ -4443,15 +6224,7 @@
                   <a:schemeClr val="tx1"/>
                 </a:solidFill>
               </a:rPr>
-              <a:t>数据</a:t>
-            </a:r>
-            <a:r>
-              <a:rPr lang="zh-CN" altLang="en-US" smtClean="0">
-                <a:solidFill>
-                  <a:schemeClr val="tx1"/>
-                </a:solidFill>
-              </a:rPr>
-              <a:t>结构</a:t>
+              <a:t>原理</a:t>
             </a:r>
             <a:endParaRPr lang="zh-CN" altLang="en-US" smtClean="0">
               <a:solidFill>
@@ -4469,8 +6242,8 @@
         </p:nvSpPr>
         <p:spPr>
           <a:xfrm>
-            <a:off x="5834070" y="3846715"/>
-            <a:ext cx="2495550" cy="520700"/>
+            <a:off x="5834070" y="4238510"/>
+            <a:ext cx="1604010" cy="520700"/>
           </a:xfrm>
           <a:prstGeom prst="rect">
             <a:avLst/>
@@ -4500,14 +6273,6 @@
           </a:lstStyle>
           <a:p>
             <a:r>
-              <a:rPr lang="en-US" altLang="zh-CN">
-                <a:solidFill>
-                  <a:schemeClr val="tx1"/>
-                </a:solidFill>
-              </a:rPr>
-              <a:t>ETCD</a:t>
-            </a:r>
-            <a:r>
               <a:rPr lang="zh-CN" altLang="en-US">
                 <a:solidFill>
                   <a:schemeClr val="tx1"/>
@@ -4539,7 +6304,7 @@
         </p:nvGrpSpPr>
         <p:grpSpPr>
           <a:xfrm>
-            <a:off x="5019736" y="3134729"/>
+            <a:off x="5019736" y="3526524"/>
             <a:ext cx="457200" cy="457200"/>
             <a:chOff x="4473270" y="2468419"/>
             <a:chExt cx="457200" cy="457200"/>
@@ -4602,7 +6367,7 @@
           <p:spPr bwMode="auto">
             <a:xfrm>
               <a:off x="4490843" y="2512554"/>
-              <a:ext cx="389097" cy="369332"/>
+              <a:ext cx="389097" cy="368300"/>
             </a:xfrm>
             <a:prstGeom prst="rect">
               <a:avLst/>
@@ -4617,16 +6382,17 @@
             <a:p>
               <a:pPr algn="dist"/>
               <a:r>
-                <a:rPr lang="en-US" altLang="zh-CN" b="1">
+                <a:rPr lang="en-US" altLang="zh-CN" b="1" dirty="0">
                   <a:solidFill>
                     <a:schemeClr val="bg1"/>
                   </a:solidFill>
                   <a:latin typeface="微软雅黑" panose="020B0503020204020204" pitchFamily="34" charset="-122"/>
+                  <a:ea typeface="微软雅黑" panose="020B0503020204020204" pitchFamily="34" charset="-122"/>
                   <a:sym typeface="微软雅黑" panose="020B0503020204020204" pitchFamily="34" charset="-122"/>
                 </a:rPr>
-                <a:t>2</a:t>
+                <a:t>3</a:t>
               </a:r>
-              <a:endParaRPr lang="zh-CN" altLang="en-US" b="1" dirty="0">
+              <a:endParaRPr lang="en-US" altLang="zh-CN" b="1" dirty="0">
                 <a:solidFill>
                   <a:schemeClr val="bg1"/>
                 </a:solidFill>
@@ -4646,7 +6412,7 @@
         </p:nvGrpSpPr>
         <p:grpSpPr>
           <a:xfrm>
-            <a:off x="5021558" y="3865857"/>
+            <a:off x="5021558" y="4257652"/>
             <a:ext cx="457200" cy="457200"/>
             <a:chOff x="4475092" y="3513535"/>
             <a:chExt cx="457200" cy="457200"/>
@@ -4709,7 +6475,7 @@
           <p:spPr bwMode="auto">
             <a:xfrm>
               <a:off x="4490842" y="3567569"/>
-              <a:ext cx="389097" cy="369332"/>
+              <a:ext cx="389097" cy="368300"/>
             </a:xfrm>
             <a:prstGeom prst="rect">
               <a:avLst/>
@@ -4729,11 +6495,12 @@
                     <a:schemeClr val="bg1"/>
                   </a:solidFill>
                   <a:latin typeface="微软雅黑" panose="020B0503020204020204" pitchFamily="34" charset="-122"/>
+                  <a:ea typeface="微软雅黑" panose="020B0503020204020204" pitchFamily="34" charset="-122"/>
                   <a:sym typeface="微软雅黑" panose="020B0503020204020204" pitchFamily="34" charset="-122"/>
                 </a:rPr>
-                <a:t>3</a:t>
+                <a:t>4</a:t>
               </a:r>
-              <a:endParaRPr lang="zh-CN" altLang="en-US" b="1" dirty="0">
+              <a:endParaRPr lang="en-US" altLang="zh-CN" b="1" dirty="0">
                 <a:solidFill>
                   <a:schemeClr val="bg1"/>
                 </a:solidFill>
@@ -5697,8 +7464,8 @@
         </p:nvSpPr>
         <p:spPr>
           <a:xfrm>
-            <a:off x="5808422" y="2393394"/>
-            <a:ext cx="2495550" cy="520700"/>
+            <a:off x="5808422" y="2785189"/>
+            <a:ext cx="1604010" cy="520700"/>
           </a:xfrm>
           <a:prstGeom prst="rect">
             <a:avLst/>
@@ -5728,14 +7495,6 @@
           </a:lstStyle>
           <a:p>
             <a:r>
-              <a:rPr lang="en-US" altLang="zh-CN">
-                <a:solidFill>
-                  <a:schemeClr val="tx1"/>
-                </a:solidFill>
-              </a:rPr>
-              <a:t>ETCD</a:t>
-            </a:r>
-            <a:r>
               <a:rPr lang="zh-CN" altLang="en-US">
                 <a:solidFill>
                   <a:schemeClr val="tx1"/>
@@ -5749,7 +7508,7 @@
                   <a:schemeClr val="tx1"/>
                 </a:solidFill>
               </a:rPr>
-              <a:t>概念</a:t>
+              <a:t>架构</a:t>
             </a:r>
             <a:endParaRPr lang="zh-CN" altLang="en-US">
               <a:solidFill>
@@ -5767,7 +7526,7 @@
         </p:nvGrpSpPr>
         <p:grpSpPr>
           <a:xfrm>
-            <a:off x="5019736" y="2417004"/>
+            <a:off x="5019736" y="2808799"/>
             <a:ext cx="457200" cy="457200"/>
             <a:chOff x="4473270" y="2468419"/>
             <a:chExt cx="457200" cy="457200"/>
@@ -5830,7 +7589,7 @@
           <p:spPr bwMode="auto">
             <a:xfrm>
               <a:off x="4490843" y="2512554"/>
-              <a:ext cx="389097" cy="369332"/>
+              <a:ext cx="389097" cy="368300"/>
             </a:xfrm>
             <a:prstGeom prst="rect">
               <a:avLst/>
@@ -5853,7 +7612,7 @@
                   <a:ea typeface="微软雅黑" panose="020B0503020204020204" pitchFamily="34" charset="-122"/>
                   <a:sym typeface="微软雅黑" panose="020B0503020204020204" pitchFamily="34" charset="-122"/>
                 </a:rPr>
-                <a:t>1</a:t>
+                <a:t>2</a:t>
               </a:r>
               <a:endParaRPr lang="zh-CN" altLang="en-US" b="1" dirty="0">
                 <a:solidFill>
@@ -5875,7 +7634,7 @@
         </p:nvSpPr>
         <p:spPr>
           <a:xfrm>
-            <a:off x="5834070" y="4547755"/>
+            <a:off x="5834070" y="4939550"/>
             <a:ext cx="892810" cy="520700"/>
           </a:xfrm>
           <a:prstGeom prst="rect">
@@ -5929,7 +7688,7 @@
         </p:nvGrpSpPr>
         <p:grpSpPr>
           <a:xfrm>
-            <a:off x="5021558" y="4566897"/>
+            <a:off x="5021558" y="4958692"/>
             <a:ext cx="457200" cy="457200"/>
             <a:chOff x="4475092" y="3513535"/>
             <a:chExt cx="457200" cy="457200"/>
@@ -6015,9 +7774,179 @@
                   <a:ea typeface="微软雅黑" panose="020B0503020204020204" pitchFamily="34" charset="-122"/>
                   <a:sym typeface="微软雅黑" panose="020B0503020204020204" pitchFamily="34" charset="-122"/>
                 </a:rPr>
-                <a:t>4</a:t>
+                <a:t>5</a:t>
               </a:r>
               <a:endParaRPr lang="en-US" altLang="zh-CN" b="1" dirty="0">
+                <a:solidFill>
+                  <a:schemeClr val="bg1"/>
+                </a:solidFill>
+                <a:latin typeface="微软雅黑" panose="020B0503020204020204" pitchFamily="34" charset="-122"/>
+                <a:ea typeface="微软雅黑" panose="020B0503020204020204" pitchFamily="34" charset="-122"/>
+                <a:sym typeface="微软雅黑" panose="020B0503020204020204" pitchFamily="34" charset="-122"/>
+              </a:endParaRPr>
+            </a:p>
+          </p:txBody>
+        </p:sp>
+      </p:grpSp>
+      <p:sp>
+        <p:nvSpPr>
+          <p:cNvPr id="6" name="文本框 5"/>
+          <p:cNvSpPr txBox="1"/>
+          <p:nvPr/>
+        </p:nvSpPr>
+        <p:spPr>
+          <a:xfrm>
+            <a:off x="5824932" y="2061289"/>
+            <a:ext cx="1604010" cy="520700"/>
+          </a:xfrm>
+          <a:prstGeom prst="rect">
+            <a:avLst/>
+          </a:prstGeom>
+          <a:noFill/>
+        </p:spPr>
+        <p:txBody>
+          <a:bodyPr wrap="none" lIns="91436" tIns="45718" rIns="91436" bIns="45718" rtlCol="0">
+            <a:spAutoFit/>
+          </a:bodyPr>
+          <a:lstStyle>
+            <a:defPPr>
+              <a:defRPr lang="zh-CN"/>
+            </a:defPPr>
+            <a:lvl1pPr>
+              <a:defRPr sz="2800">
+                <a:solidFill>
+                  <a:schemeClr val="tx1">
+                    <a:lumMod val="65000"/>
+                    <a:lumOff val="35000"/>
+                  </a:schemeClr>
+                </a:solidFill>
+                <a:latin typeface="微软雅黑" panose="020B0503020204020204" pitchFamily="34" charset="-122"/>
+                <a:ea typeface="微软雅黑" panose="020B0503020204020204" pitchFamily="34" charset="-122"/>
+              </a:defRPr>
+            </a:lvl1pPr>
+          </a:lstStyle>
+          <a:p>
+            <a:r>
+              <a:rPr lang="zh-CN" altLang="en-US">
+                <a:solidFill>
+                  <a:schemeClr val="tx1"/>
+                </a:solidFill>
+              </a:rPr>
+              <a:t>基本</a:t>
+            </a:r>
+            <a:r>
+              <a:rPr lang="zh-CN" altLang="en-US">
+                <a:solidFill>
+                  <a:schemeClr val="tx1"/>
+                </a:solidFill>
+              </a:rPr>
+              <a:t>概念</a:t>
+            </a:r>
+            <a:endParaRPr lang="zh-CN" altLang="en-US">
+              <a:solidFill>
+                <a:schemeClr val="tx1"/>
+              </a:solidFill>
+            </a:endParaRPr>
+          </a:p>
+        </p:txBody>
+      </p:sp>
+      <p:grpSp>
+        <p:nvGrpSpPr>
+          <p:cNvPr id="7" name="组合 6"/>
+          <p:cNvGrpSpPr/>
+          <p:nvPr/>
+        </p:nvGrpSpPr>
+        <p:grpSpPr>
+          <a:xfrm>
+            <a:off x="5036246" y="2084899"/>
+            <a:ext cx="457200" cy="457200"/>
+            <a:chOff x="4473270" y="2468419"/>
+            <a:chExt cx="457200" cy="457200"/>
+          </a:xfrm>
+        </p:grpSpPr>
+        <p:sp>
+          <p:nvSpPr>
+            <p:cNvPr id="8" name="椭圆 7"/>
+            <p:cNvSpPr/>
+            <p:nvPr/>
+          </p:nvSpPr>
+          <p:spPr>
+            <a:xfrm>
+              <a:off x="4473270" y="2468419"/>
+              <a:ext cx="457200" cy="457200"/>
+            </a:xfrm>
+            <a:prstGeom prst="ellipse">
+              <a:avLst/>
+            </a:prstGeom>
+            <a:solidFill>
+              <a:srgbClr val="005CA7"/>
+            </a:solidFill>
+            <a:ln>
+              <a:noFill/>
+            </a:ln>
+          </p:spPr>
+          <p:style>
+            <a:lnRef idx="2">
+              <a:schemeClr val="accent1">
+                <a:shade val="50000"/>
+              </a:schemeClr>
+            </a:lnRef>
+            <a:fillRef idx="1">
+              <a:schemeClr val="accent1"/>
+            </a:fillRef>
+            <a:effectRef idx="0">
+              <a:schemeClr val="accent1"/>
+            </a:effectRef>
+            <a:fontRef idx="minor">
+              <a:schemeClr val="lt1"/>
+            </a:fontRef>
+          </p:style>
+          <p:txBody>
+            <a:bodyPr rtlCol="0" anchor="ctr"/>
+            <a:lstStyle/>
+            <a:p>
+              <a:pPr algn="ctr"/>
+              <a:endParaRPr lang="zh-CN" altLang="en-US"/>
+            </a:p>
+          </p:txBody>
+        </p:sp>
+        <p:sp>
+          <p:nvSpPr>
+            <p:cNvPr id="9" name="文本框 1"/>
+            <p:cNvSpPr>
+              <a:spLocks noChangeArrowheads="1"/>
+            </p:cNvSpPr>
+            <p:nvPr/>
+          </p:nvSpPr>
+          <p:spPr bwMode="auto">
+            <a:xfrm>
+              <a:off x="4490843" y="2512554"/>
+              <a:ext cx="389097" cy="369332"/>
+            </a:xfrm>
+            <a:prstGeom prst="rect">
+              <a:avLst/>
+            </a:prstGeom>
+            <a:noFill/>
+          </p:spPr>
+          <p:txBody>
+            <a:bodyPr wrap="square" rtlCol="0">
+              <a:spAutoFit/>
+            </a:bodyPr>
+            <a:lstStyle/>
+            <a:p>
+              <a:pPr algn="dist"/>
+              <a:r>
+                <a:rPr lang="en-US" altLang="zh-CN" b="1" smtClean="0">
+                  <a:solidFill>
+                    <a:schemeClr val="bg1"/>
+                  </a:solidFill>
+                  <a:latin typeface="微软雅黑" panose="020B0503020204020204" pitchFamily="34" charset="-122"/>
+                  <a:ea typeface="微软雅黑" panose="020B0503020204020204" pitchFamily="34" charset="-122"/>
+                  <a:sym typeface="微软雅黑" panose="020B0503020204020204" pitchFamily="34" charset="-122"/>
+                </a:rPr>
+                <a:t>1</a:t>
+              </a:r>
+              <a:endParaRPr lang="zh-CN" altLang="en-US" b="1" dirty="0">
                 <a:solidFill>
                   <a:schemeClr val="bg1"/>
                 </a:solidFill>
@@ -6758,8 +8687,8 @@
         </p:nvSpPr>
         <p:spPr>
           <a:xfrm>
-            <a:off x="3491877" y="2222819"/>
-            <a:ext cx="5208270" cy="828675"/>
+            <a:off x="4293247" y="2222819"/>
+            <a:ext cx="3605530" cy="828675"/>
           </a:xfrm>
           <a:prstGeom prst="rect">
             <a:avLst/>
@@ -6803,23 +8732,7 @@
                   <a:srgbClr val="005CA7"/>
                 </a:solidFill>
               </a:rPr>
-              <a:t>、</a:t>
-            </a:r>
-            <a:r>
-              <a:rPr lang="en-US" altLang="zh-CN" sz="4800" b="1" smtClean="0">
-                <a:solidFill>
-                  <a:srgbClr val="005CA7"/>
-                </a:solidFill>
-              </a:rPr>
-              <a:t>ETCD</a:t>
-            </a:r>
-            <a:r>
-              <a:rPr lang="zh-CN" altLang="en-US" sz="4800" b="1" smtClean="0">
-                <a:solidFill>
-                  <a:srgbClr val="005CA7"/>
-                </a:solidFill>
-              </a:rPr>
-              <a:t>基本概念</a:t>
+              <a:t>、基本概念</a:t>
             </a:r>
             <a:endParaRPr lang="zh-CN" altLang="en-US" sz="4800" b="1" smtClean="0">
               <a:solidFill>
@@ -7015,194 +8928,6 @@
           </p:style>
         </p:cxnSp>
       </p:grpSp>
-      <p:sp>
-        <p:nvSpPr>
-          <p:cNvPr id="27" name="文本框 26"/>
-          <p:cNvSpPr txBox="1"/>
-          <p:nvPr/>
-        </p:nvSpPr>
-        <p:spPr>
-          <a:xfrm>
-            <a:off x="5564253" y="3565740"/>
-            <a:ext cx="2289810" cy="569595"/>
-          </a:xfrm>
-          <a:prstGeom prst="rect">
-            <a:avLst/>
-          </a:prstGeom>
-          <a:noFill/>
-        </p:spPr>
-        <p:txBody>
-          <a:bodyPr wrap="none" lIns="91438" tIns="45719" rIns="91438" bIns="45719" rtlCol="0">
-            <a:spAutoFit/>
-          </a:bodyPr>
-          <a:p>
-            <a:pPr>
-              <a:lnSpc>
-                <a:spcPct val="130000"/>
-              </a:lnSpc>
-            </a:pPr>
-            <a:r>
-              <a:rPr lang="en-US" altLang="zh-CN" sz="2400" smtClean="0">
-                <a:latin typeface="+mn-ea"/>
-                <a:ea typeface="+mn-ea"/>
-              </a:rPr>
-              <a:t>1.1</a:t>
-            </a:r>
-            <a:r>
-              <a:rPr lang="zh-CN" altLang="en-US" sz="2400" smtClean="0">
-                <a:latin typeface="+mn-ea"/>
-                <a:ea typeface="+mn-ea"/>
-              </a:rPr>
-              <a:t>、</a:t>
-            </a:r>
-            <a:r>
-              <a:rPr lang="en-US" altLang="zh-CN" sz="2400" smtClean="0">
-                <a:latin typeface="+mn-ea"/>
-                <a:ea typeface="+mn-ea"/>
-              </a:rPr>
-              <a:t>ETCD</a:t>
-            </a:r>
-            <a:r>
-              <a:rPr lang="zh-CN" altLang="en-US" sz="2400" smtClean="0">
-                <a:latin typeface="+mn-ea"/>
-                <a:ea typeface="+mn-ea"/>
-              </a:rPr>
-              <a:t>架构</a:t>
-            </a:r>
-            <a:endParaRPr lang="zh-CN" altLang="en-US" sz="2400" smtClean="0">
-              <a:latin typeface="+mn-ea"/>
-              <a:ea typeface="+mn-ea"/>
-            </a:endParaRPr>
-          </a:p>
-        </p:txBody>
-      </p:sp>
-      <p:sp>
-        <p:nvSpPr>
-          <p:cNvPr id="23" name="文本框 22"/>
-          <p:cNvSpPr txBox="1"/>
-          <p:nvPr/>
-        </p:nvSpPr>
-        <p:spPr>
-          <a:xfrm>
-            <a:off x="5564252" y="5006148"/>
-            <a:ext cx="2031321" cy="525655"/>
-          </a:xfrm>
-          <a:prstGeom prst="rect">
-            <a:avLst/>
-          </a:prstGeom>
-          <a:noFill/>
-        </p:spPr>
-        <p:txBody>
-          <a:bodyPr wrap="none" lIns="91438" tIns="45719" rIns="91438" bIns="45719" rtlCol="0">
-            <a:spAutoFit/>
-          </a:bodyPr>
-          <a:p>
-            <a:pPr>
-              <a:lnSpc>
-                <a:spcPct val="130000"/>
-              </a:lnSpc>
-            </a:pPr>
-            <a:r>
-              <a:rPr lang="zh-CN" altLang="en-US" sz="2400" smtClean="0">
-                <a:latin typeface="+mn-ea"/>
-                <a:ea typeface="+mn-ea"/>
-              </a:rPr>
-              <a:t>硬件总体设计</a:t>
-            </a:r>
-            <a:endParaRPr lang="zh-CN" altLang="en-US" sz="2400" dirty="0">
-              <a:latin typeface="+mn-ea"/>
-              <a:ea typeface="+mn-ea"/>
-            </a:endParaRPr>
-          </a:p>
-        </p:txBody>
-      </p:sp>
-      <p:sp>
-        <p:nvSpPr>
-          <p:cNvPr id="28" name="文本框 27"/>
-          <p:cNvSpPr txBox="1"/>
-          <p:nvPr/>
-        </p:nvSpPr>
-        <p:spPr>
-          <a:xfrm>
-            <a:off x="5564252" y="5726352"/>
-            <a:ext cx="2031321" cy="525655"/>
-          </a:xfrm>
-          <a:prstGeom prst="rect">
-            <a:avLst/>
-          </a:prstGeom>
-          <a:noFill/>
-        </p:spPr>
-        <p:txBody>
-          <a:bodyPr wrap="none" lIns="91438" tIns="45719" rIns="91438" bIns="45719" rtlCol="0">
-            <a:spAutoFit/>
-          </a:bodyPr>
-          <a:p>
-            <a:pPr>
-              <a:lnSpc>
-                <a:spcPct val="130000"/>
-              </a:lnSpc>
-            </a:pPr>
-            <a:r>
-              <a:rPr lang="zh-CN" altLang="en-US" sz="2400" smtClean="0">
-                <a:latin typeface="+mn-ea"/>
-                <a:ea typeface="+mn-ea"/>
-              </a:rPr>
-              <a:t>软件总体设计</a:t>
-            </a:r>
-            <a:endParaRPr lang="zh-CN" altLang="en-US" sz="2400" dirty="0">
-              <a:latin typeface="+mn-ea"/>
-              <a:ea typeface="+mn-ea"/>
-            </a:endParaRPr>
-          </a:p>
-        </p:txBody>
-      </p:sp>
-      <p:sp>
-        <p:nvSpPr>
-          <p:cNvPr id="21" name="文本框 20"/>
-          <p:cNvSpPr txBox="1"/>
-          <p:nvPr/>
-        </p:nvSpPr>
-        <p:spPr>
-          <a:xfrm>
-            <a:off x="5564252" y="4285944"/>
-            <a:ext cx="2745740" cy="569595"/>
-          </a:xfrm>
-          <a:prstGeom prst="rect">
-            <a:avLst/>
-          </a:prstGeom>
-          <a:noFill/>
-        </p:spPr>
-        <p:txBody>
-          <a:bodyPr wrap="none" lIns="91438" tIns="45719" rIns="91438" bIns="45719" rtlCol="0">
-            <a:spAutoFit/>
-          </a:bodyPr>
-          <a:p>
-            <a:pPr>
-              <a:lnSpc>
-                <a:spcPct val="130000"/>
-              </a:lnSpc>
-            </a:pPr>
-            <a:r>
-              <a:rPr lang="en-US" altLang="zh-CN" sz="2400" smtClean="0">
-                <a:latin typeface="+mn-ea"/>
-                <a:ea typeface="+mn-ea"/>
-              </a:rPr>
-              <a:t>1.2</a:t>
-            </a:r>
-            <a:r>
-              <a:rPr lang="zh-CN" altLang="en-US" sz="2400" smtClean="0">
-                <a:latin typeface="+mn-ea"/>
-                <a:ea typeface="+mn-ea"/>
-              </a:rPr>
-              <a:t>、系统设计要求</a:t>
-            </a:r>
-            <a:endParaRPr lang="zh-CN" altLang="en-US" sz="2400" dirty="0">
-              <a:latin typeface="+mn-ea"/>
-              <a:ea typeface="+mn-ea"/>
-            </a:endParaRPr>
-          </a:p>
-        </p:txBody>
-      </p:sp>
     </p:spTree>
   </p:cSld>
   <p:clrMapOvr>
@@ -8111,8 +9836,8 @@
         </p:nvSpPr>
         <p:spPr>
           <a:xfrm>
-            <a:off x="3491877" y="2222819"/>
-            <a:ext cx="5208270" cy="828675"/>
+            <a:off x="4293247" y="2222819"/>
+            <a:ext cx="3605530" cy="828675"/>
           </a:xfrm>
           <a:prstGeom prst="rect">
             <a:avLst/>
@@ -8156,15 +9881,7 @@
                   <a:srgbClr val="005CA7"/>
                 </a:solidFill>
               </a:rPr>
-              <a:t>、</a:t>
-            </a:r>
-            <a:r>
-              <a:rPr lang="en-US" altLang="zh-CN" sz="4800" b="1" smtClean="0">
-                <a:solidFill>
-                  <a:srgbClr val="005CA7"/>
-                </a:solidFill>
-              </a:rPr>
-              <a:t>ETCD</a:t>
+              <a:t>、基本</a:t>
             </a:r>
             <a:r>
               <a:rPr lang="zh-CN" altLang="en-US" sz="4800" b="1" smtClean="0">
@@ -8172,15 +9889,7 @@
                   <a:srgbClr val="005CA7"/>
                 </a:solidFill>
               </a:rPr>
-              <a:t>数据</a:t>
-            </a:r>
-            <a:r>
-              <a:rPr lang="zh-CN" altLang="en-US" sz="4800" b="1" smtClean="0">
-                <a:solidFill>
-                  <a:srgbClr val="005CA7"/>
-                </a:solidFill>
-              </a:rPr>
-              <a:t>结构</a:t>
+              <a:t>架构</a:t>
             </a:r>
             <a:endParaRPr lang="zh-CN" altLang="en-US" sz="4800" b="1" smtClean="0">
               <a:solidFill>
@@ -9284,8 +10993,8 @@
         </p:nvSpPr>
         <p:spPr>
           <a:xfrm>
-            <a:off x="3491877" y="2222819"/>
-            <a:ext cx="5208270" cy="828675"/>
+            <a:off x="4293247" y="2222819"/>
+            <a:ext cx="3605530" cy="828675"/>
           </a:xfrm>
           <a:prstGeom prst="rect">
             <a:avLst/>
@@ -9329,15 +11038,7 @@
                   <a:srgbClr val="005CA7"/>
                 </a:solidFill>
               </a:rPr>
-              <a:t>、</a:t>
-            </a:r>
-            <a:r>
-              <a:rPr lang="en-US" altLang="zh-CN" sz="4800" b="1" smtClean="0">
-                <a:solidFill>
-                  <a:srgbClr val="005CA7"/>
-                </a:solidFill>
-              </a:rPr>
-              <a:t>ETCD</a:t>
+              <a:t>、基本</a:t>
             </a:r>
             <a:r>
               <a:rPr lang="zh-CN" altLang="en-US" sz="4800" b="1" smtClean="0">
@@ -9345,7 +11046,7 @@
                   <a:srgbClr val="005CA7"/>
                 </a:solidFill>
               </a:rPr>
-              <a:t>部署方案</a:t>
+              <a:t>原理</a:t>
             </a:r>
             <a:endParaRPr lang="zh-CN" altLang="en-US" sz="4800" b="1" smtClean="0">
               <a:solidFill>
@@ -10449,8 +12150,8 @@
         </p:nvSpPr>
         <p:spPr>
           <a:xfrm>
-            <a:off x="4902847" y="2222819"/>
-            <a:ext cx="2386330" cy="828675"/>
+            <a:off x="4293247" y="2222819"/>
+            <a:ext cx="3605530" cy="828675"/>
           </a:xfrm>
           <a:prstGeom prst="rect">
             <a:avLst/>
@@ -10501,8 +12202,9 @@
                 <a:solidFill>
                   <a:srgbClr val="005CA7"/>
                 </a:solidFill>
+                <a:sym typeface="+mn-ea"/>
               </a:rPr>
-              <a:t>问题</a:t>
+              <a:t>部署方案</a:t>
             </a:r>
             <a:endParaRPr lang="zh-CN" altLang="en-US" sz="4800" b="1" smtClean="0">
               <a:solidFill>
